--- a/Class intro.pptx
+++ b/Class intro.pptx
@@ -126,6 +126,11 @@
       </a:defRPr>
     </a:lvl9pPr>
   </p:defaultTextStyle>
+  <p:extLst>
+    <p:ext uri="{EFAFB233-063F-42B5-8137-9DF3F51BA10A}">
+      <p15:sldGuideLst xmlns:p15="http://schemas.microsoft.com/office/powerpoint/2012/main"/>
+    </p:ext>
+  </p:extLst>
 </p:presentation>
 </file>
 
@@ -258,7 +263,7 @@
           <a:p>
             <a:fld id="{74DAA6A8-A8BE-4708-A87F-98E2A1874563}" type="datetimeFigureOut">
               <a:rPr lang="en-US" smtClean="0"/>
-              <a:t>31-Mar-17</a:t>
+              <a:t>02-Apr-17</a:t>
             </a:fld>
             <a:endParaRPr lang="en-US"/>
           </a:p>
@@ -426,7 +431,7 @@
           <a:p>
             <a:fld id="{74DAA6A8-A8BE-4708-A87F-98E2A1874563}" type="datetimeFigureOut">
               <a:rPr lang="en-US" smtClean="0"/>
-              <a:t>31-Mar-17</a:t>
+              <a:t>02-Apr-17</a:t>
             </a:fld>
             <a:endParaRPr lang="en-US"/>
           </a:p>
@@ -604,7 +609,7 @@
           <a:p>
             <a:fld id="{74DAA6A8-A8BE-4708-A87F-98E2A1874563}" type="datetimeFigureOut">
               <a:rPr lang="en-US" smtClean="0"/>
-              <a:t>31-Mar-17</a:t>
+              <a:t>02-Apr-17</a:t>
             </a:fld>
             <a:endParaRPr lang="en-US"/>
           </a:p>
@@ -772,7 +777,7 @@
           <a:p>
             <a:fld id="{74DAA6A8-A8BE-4708-A87F-98E2A1874563}" type="datetimeFigureOut">
               <a:rPr lang="en-US" smtClean="0"/>
-              <a:t>31-Mar-17</a:t>
+              <a:t>02-Apr-17</a:t>
             </a:fld>
             <a:endParaRPr lang="en-US"/>
           </a:p>
@@ -1017,7 +1022,7 @@
           <a:p>
             <a:fld id="{74DAA6A8-A8BE-4708-A87F-98E2A1874563}" type="datetimeFigureOut">
               <a:rPr lang="en-US" smtClean="0"/>
-              <a:t>31-Mar-17</a:t>
+              <a:t>02-Apr-17</a:t>
             </a:fld>
             <a:endParaRPr lang="en-US"/>
           </a:p>
@@ -1246,7 +1251,7 @@
           <a:p>
             <a:fld id="{74DAA6A8-A8BE-4708-A87F-98E2A1874563}" type="datetimeFigureOut">
               <a:rPr lang="en-US" smtClean="0"/>
-              <a:t>31-Mar-17</a:t>
+              <a:t>02-Apr-17</a:t>
             </a:fld>
             <a:endParaRPr lang="en-US"/>
           </a:p>
@@ -1610,7 +1615,7 @@
           <a:p>
             <a:fld id="{74DAA6A8-A8BE-4708-A87F-98E2A1874563}" type="datetimeFigureOut">
               <a:rPr lang="en-US" smtClean="0"/>
-              <a:t>31-Mar-17</a:t>
+              <a:t>02-Apr-17</a:t>
             </a:fld>
             <a:endParaRPr lang="en-US"/>
           </a:p>
@@ -1727,7 +1732,7 @@
           <a:p>
             <a:fld id="{74DAA6A8-A8BE-4708-A87F-98E2A1874563}" type="datetimeFigureOut">
               <a:rPr lang="en-US" smtClean="0"/>
-              <a:t>31-Mar-17</a:t>
+              <a:t>02-Apr-17</a:t>
             </a:fld>
             <a:endParaRPr lang="en-US"/>
           </a:p>
@@ -1822,7 +1827,7 @@
           <a:p>
             <a:fld id="{74DAA6A8-A8BE-4708-A87F-98E2A1874563}" type="datetimeFigureOut">
               <a:rPr lang="en-US" smtClean="0"/>
-              <a:t>31-Mar-17</a:t>
+              <a:t>02-Apr-17</a:t>
             </a:fld>
             <a:endParaRPr lang="en-US"/>
           </a:p>
@@ -2097,7 +2102,7 @@
           <a:p>
             <a:fld id="{74DAA6A8-A8BE-4708-A87F-98E2A1874563}" type="datetimeFigureOut">
               <a:rPr lang="en-US" smtClean="0"/>
-              <a:t>31-Mar-17</a:t>
+              <a:t>02-Apr-17</a:t>
             </a:fld>
             <a:endParaRPr lang="en-US"/>
           </a:p>
@@ -2349,7 +2354,7 @@
           <a:p>
             <a:fld id="{74DAA6A8-A8BE-4708-A87F-98E2A1874563}" type="datetimeFigureOut">
               <a:rPr lang="en-US" smtClean="0"/>
-              <a:t>31-Mar-17</a:t>
+              <a:t>02-Apr-17</a:t>
             </a:fld>
             <a:endParaRPr lang="en-US"/>
           </a:p>
@@ -2560,7 +2565,7 @@
           <a:p>
             <a:fld id="{74DAA6A8-A8BE-4708-A87F-98E2A1874563}" type="datetimeFigureOut">
               <a:rPr lang="en-US" smtClean="0"/>
-              <a:t>31-Mar-17</a:t>
+              <a:t>02-Apr-17</a:t>
             </a:fld>
             <a:endParaRPr lang="en-US"/>
           </a:p>
@@ -6087,7 +6092,7 @@
         </p:spPr>
         <p:txBody>
           <a:bodyPr>
-            <a:normAutofit lnSpcReduction="10000"/>
+            <a:normAutofit fontScale="92500" lnSpcReduction="10000"/>
           </a:bodyPr>
           <a:lstStyle/>
           <a:p>
@@ -6261,6 +6266,20 @@
             <a:r>
               <a:rPr lang="en-US" dirty="0"/>
               <a:t>Working demo</a:t>
+            </a:r>
+          </a:p>
+          <a:p>
+            <a:pPr lvl="1"/>
+            <a:r>
+              <a:rPr lang="en-US" dirty="0"/>
+              <a:t>Work in teams of 2 or 3. A 4th person on the team can get away with doing nothing.</a:t>
+            </a:r>
+          </a:p>
+          <a:p>
+            <a:pPr lvl="2"/>
+            <a:r>
+              <a:rPr lang="en-US" dirty="0"/>
+              <a:t>“I’m not that skilled yet; I’ll watch over your shoulders”</a:t>
             </a:r>
           </a:p>
           <a:p>
@@ -12155,8 +12174,8 @@
           </a:p>
         </p:txBody>
       </p:sp>
-      <mc:AlternateContent xmlns:mc="http://schemas.openxmlformats.org/markup-compatibility/2006">
-        <mc:Choice xmlns:a14="http://schemas.microsoft.com/office/drawing/2010/main" Requires="a14">
+      <mc:AlternateContent xmlns:mc="http://schemas.openxmlformats.org/markup-compatibility/2006" xmlns:a14="http://schemas.microsoft.com/office/drawing/2010/main">
+        <mc:Choice Requires="a14">
           <p:sp>
             <p:nvSpPr>
               <p:cNvPr id="62" name="TextBox 61"/>
@@ -12246,7 +12265,7 @@
             </p:txBody>
           </p:sp>
         </mc:Choice>
-        <mc:Fallback>
+        <mc:Fallback xmlns="">
           <p:sp>
             <p:nvSpPr>
               <p:cNvPr id="62" name="TextBox 61"/>

--- a/Class intro.pptx
+++ b/Class intro.pptx
@@ -4488,7 +4488,7 @@
         </p:nvSpPr>
         <p:spPr>
           <a:xfrm>
-            <a:off x="7679328" y="228891"/>
+            <a:off x="2728637" y="348964"/>
             <a:ext cx="5151120" cy="3950971"/>
           </a:xfrm>
           <a:prstGeom prst="rect">
@@ -4698,7 +4698,7 @@
           <a:p>
             <a:r>
               <a:rPr lang="en-US" sz="1200" dirty="0"/>
-              <a:t>5. Machine Learning\5. ML 4.  Bias and variance</a:t>
+              <a:t>5. Machine Learning\5. ML 4. Bias and variance</a:t>
             </a:r>
           </a:p>
           <a:p>
@@ -4746,7 +4746,7 @@
         </p:nvSpPr>
         <p:spPr>
           <a:xfrm>
-            <a:off x="2764428" y="228891"/>
+            <a:off x="6995160" y="348964"/>
             <a:ext cx="5196840" cy="3453607"/>
           </a:xfrm>
           <a:prstGeom prst="rect">
@@ -4924,7 +4924,7 @@
           <a:p>
             <a:r>
               <a:rPr lang="en-US" sz="1200" dirty="0"/>
-              <a:t>6. Training - Deep Learning\6. DL 0. </a:t>
+              <a:t>6. Deep Learning\6. DL 0. </a:t>
             </a:r>
             <a:r>
               <a:rPr lang="en-US" sz="1200" dirty="0" err="1"/>
@@ -4938,37 +4938,37 @@
           <a:p>
             <a:r>
               <a:rPr lang="en-US" sz="1200" dirty="0"/>
-              <a:t>6. Training - Deep Learning\6. DL 1. Fun with activation functions</a:t>
+              <a:t>6. Deep Learning\6. DL 1. Fun with activation functions</a:t>
             </a:r>
           </a:p>
           <a:p>
             <a:r>
               <a:rPr lang="en-US" sz="1200" dirty="0"/>
-              <a:t>6. Training - Deep Learning\6. DL 2. Convolutional networks</a:t>
+              <a:t>6. Deep Learning\6. DL 2. Convolutional networks</a:t>
             </a:r>
           </a:p>
           <a:p>
             <a:r>
               <a:rPr lang="en-US" sz="1200" dirty="0"/>
-              <a:t>6. Training - Deep Learning\6. DL 3. Embedding</a:t>
+              <a:t>6. Deep Learning\6. DL 3. Embedding</a:t>
             </a:r>
           </a:p>
           <a:p>
             <a:r>
               <a:rPr lang="en-US" sz="1200" dirty="0"/>
-              <a:t>6. Training - Deep Learning\6. DL 4. Multi-input models</a:t>
+              <a:t>6. Deep Learning\6. DL 4. Multi-input models</a:t>
             </a:r>
           </a:p>
           <a:p>
             <a:r>
               <a:rPr lang="en-US" sz="1200" dirty="0"/>
-              <a:t>6. Training - Deep Learning\6. DL 5. Auto encoder</a:t>
+              <a:t>6. Deep Learning\6. DL 5. Auto encoder</a:t>
             </a:r>
           </a:p>
           <a:p>
             <a:r>
               <a:rPr lang="en-US" sz="1200" dirty="0"/>
-              <a:t>6. Training - Deep Learning\6. DL 6. Recurrent networks</a:t>
+              <a:t>6. Deep Learning\6. DL 6. Recurrent networks</a:t>
             </a:r>
           </a:p>
           <a:p>
@@ -7778,7 +7778,7 @@
           <a:p>
             <a:r>
               <a:rPr lang="en-US" dirty="0"/>
-              <a:t>Basic principles of this training to make you so do:</a:t>
+              <a:t>Basic principles of this training to make you do so:</a:t>
             </a:r>
           </a:p>
           <a:p>
@@ -12480,7 +12480,7 @@
           <a:p>
             <a:r>
               <a:rPr lang="en-US" dirty="0"/>
-              <a:t>Basic principles of this training to make you so do:</a:t>
+              <a:t>Basic principles of this training to make you do so:</a:t>
             </a:r>
           </a:p>
           <a:p>
@@ -12578,7 +12578,15 @@
             <a:pPr lvl="1"/>
             <a:r>
               <a:rPr lang="en-US" dirty="0"/>
-              <a:t>Understand what you phone and email do to you</a:t>
+              <a:t>Understand </a:t>
+            </a:r>
+            <a:r>
+              <a:rPr lang="en-US"/>
+              <a:t>what your </a:t>
+            </a:r>
+            <a:r>
+              <a:rPr lang="en-US" dirty="0"/>
+              <a:t>phone and email do to you</a:t>
             </a:r>
           </a:p>
           <a:p>

--- a/Class intro.pptx
+++ b/Class intro.pptx
@@ -12,22 +12,23 @@
     <p:sldId id="269" r:id="rId6"/>
     <p:sldId id="270" r:id="rId7"/>
     <p:sldId id="271" r:id="rId8"/>
-    <p:sldId id="272" r:id="rId9"/>
-    <p:sldId id="264" r:id="rId10"/>
-    <p:sldId id="266" r:id="rId11"/>
-    <p:sldId id="267" r:id="rId12"/>
-    <p:sldId id="281" r:id="rId13"/>
-    <p:sldId id="261" r:id="rId14"/>
-    <p:sldId id="279" r:id="rId15"/>
-    <p:sldId id="280" r:id="rId16"/>
-    <p:sldId id="257" r:id="rId17"/>
-    <p:sldId id="274" r:id="rId18"/>
-    <p:sldId id="276" r:id="rId19"/>
-    <p:sldId id="275" r:id="rId20"/>
-    <p:sldId id="278" r:id="rId21"/>
-    <p:sldId id="258" r:id="rId22"/>
-    <p:sldId id="259" r:id="rId23"/>
-    <p:sldId id="260" r:id="rId24"/>
+    <p:sldId id="283" r:id="rId9"/>
+    <p:sldId id="272" r:id="rId10"/>
+    <p:sldId id="264" r:id="rId11"/>
+    <p:sldId id="266" r:id="rId12"/>
+    <p:sldId id="267" r:id="rId13"/>
+    <p:sldId id="281" r:id="rId14"/>
+    <p:sldId id="261" r:id="rId15"/>
+    <p:sldId id="279" r:id="rId16"/>
+    <p:sldId id="280" r:id="rId17"/>
+    <p:sldId id="257" r:id="rId18"/>
+    <p:sldId id="274" r:id="rId19"/>
+    <p:sldId id="276" r:id="rId20"/>
+    <p:sldId id="275" r:id="rId21"/>
+    <p:sldId id="278" r:id="rId22"/>
+    <p:sldId id="258" r:id="rId23"/>
+    <p:sldId id="259" r:id="rId24"/>
+    <p:sldId id="260" r:id="rId25"/>
   </p:sldIdLst>
   <p:sldSz cx="12192000" cy="6858000"/>
   <p:notesSz cx="6858000" cy="9144000"/>
@@ -3031,6 +3032,143 @@
       </p:grpSpPr>
       <p:sp>
         <p:nvSpPr>
+          <p:cNvPr id="2" name="Title 1"/>
+          <p:cNvSpPr>
+            <a:spLocks noGrp="1"/>
+          </p:cNvSpPr>
+          <p:nvPr>
+            <p:ph type="title"/>
+          </p:nvPr>
+        </p:nvSpPr>
+        <p:spPr>
+          <a:xfrm>
+            <a:off x="525683" y="133537"/>
+            <a:ext cx="10515600" cy="1325563"/>
+          </a:xfrm>
+        </p:spPr>
+        <p:txBody>
+          <a:bodyPr/>
+          <a:lstStyle/>
+          <a:p>
+            <a:r>
+              <a:rPr lang="en-US" dirty="0"/>
+              <a:t>Take learning in your own hand</a:t>
+            </a:r>
+          </a:p>
+        </p:txBody>
+      </p:sp>
+      <p:sp>
+        <p:nvSpPr>
+          <p:cNvPr id="6" name="Content Placeholder 5"/>
+          <p:cNvSpPr>
+            <a:spLocks noGrp="1"/>
+          </p:cNvSpPr>
+          <p:nvPr>
+            <p:ph idx="1"/>
+          </p:nvPr>
+        </p:nvSpPr>
+        <p:spPr>
+          <a:xfrm>
+            <a:off x="641430" y="1733027"/>
+            <a:ext cx="10701760" cy="4488921"/>
+          </a:xfrm>
+          <a:prstGeom prst="rect">
+            <a:avLst/>
+          </a:prstGeom>
+        </p:spPr>
+        <p:txBody>
+          <a:bodyPr wrap="square">
+            <a:spAutoFit/>
+          </a:bodyPr>
+          <a:lstStyle/>
+          <a:p>
+            <a:r>
+              <a:rPr lang="en-US" dirty="0"/>
+              <a:t>All material is set up as self-learning</a:t>
+            </a:r>
+          </a:p>
+          <a:p>
+            <a:r>
+              <a:rPr lang="en-US" dirty="0"/>
+              <a:t>This training: get yourself up an running to self study </a:t>
+            </a:r>
+          </a:p>
+          <a:p>
+            <a:endParaRPr lang="en-US" dirty="0"/>
+          </a:p>
+          <a:p>
+            <a:r>
+              <a:rPr lang="en-US" dirty="0"/>
+              <a:t>Vote for the topics </a:t>
+            </a:r>
+            <a:r>
+              <a:rPr lang="en-US" b="1" dirty="0"/>
+              <a:t>before start of day 2</a:t>
+            </a:r>
+            <a:r>
+              <a:rPr lang="en-US" dirty="0"/>
+              <a:t>:</a:t>
+            </a:r>
+          </a:p>
+          <a:p>
+            <a:pPr lvl="1"/>
+            <a:r>
+              <a:rPr lang="en-US" dirty="0">
+                <a:hlinkClick r:id="rId2"/>
+              </a:rPr>
+              <a:t>https://codeshare.io/2pAwm4</a:t>
+            </a:r>
+            <a:endParaRPr lang="en-US" dirty="0"/>
+          </a:p>
+          <a:p>
+            <a:endParaRPr lang="en-US" dirty="0"/>
+          </a:p>
+          <a:p>
+            <a:r>
+              <a:rPr lang="en-US" dirty="0"/>
+              <a:t>No input = no vote</a:t>
+            </a:r>
+          </a:p>
+          <a:p>
+            <a:endParaRPr lang="en-US" dirty="0"/>
+          </a:p>
+          <a:p>
+            <a:endParaRPr lang="en-US" dirty="0"/>
+          </a:p>
+        </p:txBody>
+      </p:sp>
+    </p:spTree>
+    <p:extLst>
+      <p:ext uri="{BB962C8B-B14F-4D97-AF65-F5344CB8AC3E}">
+        <p14:creationId xmlns:p14="http://schemas.microsoft.com/office/powerpoint/2010/main" val="4014838548"/>
+      </p:ext>
+    </p:extLst>
+  </p:cSld>
+  <p:clrMapOvr>
+    <a:masterClrMapping/>
+  </p:clrMapOvr>
+</p:sld>
+</file>
+
+<file path=ppt/slides/slide11.xml><?xml version="1.0" encoding="utf-8"?>
+<p:sld xmlns:a="http://schemas.openxmlformats.org/drawingml/2006/main" xmlns:r="http://schemas.openxmlformats.org/officeDocument/2006/relationships" xmlns:p="http://schemas.openxmlformats.org/presentationml/2006/main">
+  <p:cSld>
+    <p:spTree>
+      <p:nvGrpSpPr>
+        <p:cNvPr id="1" name=""/>
+        <p:cNvGrpSpPr/>
+        <p:nvPr/>
+      </p:nvGrpSpPr>
+      <p:grpSpPr>
+        <a:xfrm>
+          <a:off x="0" y="0"/>
+          <a:ext cx="0" cy="0"/>
+          <a:chOff x="0" y="0"/>
+          <a:chExt cx="0" cy="0"/>
+        </a:xfrm>
+      </p:grpSpPr>
+      <p:sp>
+        <p:nvSpPr>
           <p:cNvPr id="3" name="Content Placeholder 2"/>
           <p:cNvSpPr>
             <a:spLocks noGrp="1"/>
@@ -4390,7 +4528,7 @@
 </p:sld>
 </file>
 
-<file path=ppt/slides/slide11.xml><?xml version="1.0" encoding="utf-8"?>
+<file path=ppt/slides/slide12.xml><?xml version="1.0" encoding="utf-8"?>
 <p:sld xmlns:a="http://schemas.openxmlformats.org/drawingml/2006/main" xmlns:r="http://schemas.openxmlformats.org/officeDocument/2006/relationships" xmlns:p="http://schemas.openxmlformats.org/presentationml/2006/main">
   <p:cSld>
     <p:spTree>
@@ -4992,7 +5130,7 @@
 </p:sld>
 </file>
 
-<file path=ppt/slides/slide12.xml><?xml version="1.0" encoding="utf-8"?>
+<file path=ppt/slides/slide13.xml><?xml version="1.0" encoding="utf-8"?>
 <p:sld xmlns:a="http://schemas.openxmlformats.org/drawingml/2006/main" xmlns:r="http://schemas.openxmlformats.org/officeDocument/2006/relationships" xmlns:p="http://schemas.openxmlformats.org/presentationml/2006/main">
   <p:cSld>
     <p:spTree>
@@ -5274,155 +5412,6 @@
 </p:sld>
 </file>
 
-<file path=ppt/slides/slide13.xml><?xml version="1.0" encoding="utf-8"?>
-<p:sld xmlns:a="http://schemas.openxmlformats.org/drawingml/2006/main" xmlns:r="http://schemas.openxmlformats.org/officeDocument/2006/relationships" xmlns:p="http://schemas.openxmlformats.org/presentationml/2006/main">
-  <p:cSld>
-    <p:spTree>
-      <p:nvGrpSpPr>
-        <p:cNvPr id="1" name=""/>
-        <p:cNvGrpSpPr/>
-        <p:nvPr/>
-      </p:nvGrpSpPr>
-      <p:grpSpPr>
-        <a:xfrm>
-          <a:off x="0" y="0"/>
-          <a:ext cx="0" cy="0"/>
-          <a:chOff x="0" y="0"/>
-          <a:chExt cx="0" cy="0"/>
-        </a:xfrm>
-      </p:grpSpPr>
-      <p:sp>
-        <p:nvSpPr>
-          <p:cNvPr id="2" name="Title 1"/>
-          <p:cNvSpPr>
-            <a:spLocks noGrp="1"/>
-          </p:cNvSpPr>
-          <p:nvPr>
-            <p:ph type="title"/>
-          </p:nvPr>
-        </p:nvSpPr>
-        <p:spPr>
-          <a:xfrm>
-            <a:off x="604520" y="263525"/>
-            <a:ext cx="10515600" cy="620395"/>
-          </a:xfrm>
-        </p:spPr>
-        <p:txBody>
-          <a:bodyPr>
-            <a:normAutofit fontScale="90000"/>
-          </a:bodyPr>
-          <a:lstStyle/>
-          <a:p>
-            <a:r>
-              <a:rPr lang="en-US" dirty="0"/>
-              <a:t>Preliminaries</a:t>
-            </a:r>
-          </a:p>
-        </p:txBody>
-      </p:sp>
-      <p:sp>
-        <p:nvSpPr>
-          <p:cNvPr id="3" name="Content Placeholder 2"/>
-          <p:cNvSpPr>
-            <a:spLocks noGrp="1"/>
-          </p:cNvSpPr>
-          <p:nvPr>
-            <p:ph idx="1"/>
-          </p:nvPr>
-        </p:nvSpPr>
-        <p:spPr>
-          <a:xfrm>
-            <a:off x="604520" y="883920"/>
-            <a:ext cx="10515600" cy="5725224"/>
-          </a:xfrm>
-        </p:spPr>
-        <p:txBody>
-          <a:bodyPr>
-            <a:normAutofit/>
-          </a:bodyPr>
-          <a:lstStyle/>
-          <a:p>
-            <a:r>
-              <a:rPr lang="en-US" sz="1800" dirty="0"/>
-              <a:t>IBM Bluemix</a:t>
-            </a:r>
-          </a:p>
-          <a:p>
-            <a:pPr lvl="1"/>
-            <a:r>
-              <a:rPr lang="en-US" sz="1600" dirty="0">
-                <a:hlinkClick r:id="rId2"/>
-              </a:rPr>
-              <a:t>https://console.ng.bluemix.net</a:t>
-            </a:r>
-            <a:endParaRPr lang="en-US" sz="1600" dirty="0"/>
-          </a:p>
-          <a:p>
-            <a:pPr marL="0" indent="0">
-              <a:buNone/>
-            </a:pPr>
-            <a:endParaRPr lang="en-US" sz="1800" dirty="0"/>
-          </a:p>
-          <a:p>
-            <a:r>
-              <a:rPr lang="en-US" sz="1800" dirty="0"/>
-              <a:t>Data Science Experience</a:t>
-            </a:r>
-          </a:p>
-          <a:p>
-            <a:pPr lvl="1"/>
-            <a:r>
-              <a:rPr lang="en-US" sz="1600" dirty="0">
-                <a:hlinkClick r:id="rId3"/>
-              </a:rPr>
-              <a:t>http://datascience.ibm.com/</a:t>
-            </a:r>
-            <a:endParaRPr lang="en-US" sz="1600" dirty="0"/>
-          </a:p>
-          <a:p>
-            <a:endParaRPr lang="en-US" sz="1800" dirty="0"/>
-          </a:p>
-          <a:p>
-            <a:r>
-              <a:rPr lang="en-US" sz="1800" dirty="0"/>
-              <a:t>The standard Bluemix account is restricted to 4 services, with 3 already occupied when you create a Data Science Experience instance. We need more for the training. </a:t>
-            </a:r>
-            <a:r>
-              <a:rPr lang="en-US" sz="1800" b="1" dirty="0"/>
-              <a:t>Please open a ticket with Bluemix support and put this in the body:</a:t>
-            </a:r>
-            <a:br>
-              <a:rPr lang="en-US" sz="1800" dirty="0"/>
-            </a:br>
-            <a:br>
-              <a:rPr lang="en-US" sz="1800" dirty="0"/>
-            </a:br>
-            <a:r>
-              <a:rPr lang="en-US" sz="1800" dirty="0"/>
-              <a:t>-----------------</a:t>
-            </a:r>
-          </a:p>
-          <a:p>
-            <a:r>
-              <a:rPr lang="en-US" sz="1800" dirty="0"/>
-              <a:t>I am an attendee of the Data Science Experience training in Singapore held from 3-5 April. I am responsible for demonstrating the capabilities of the DSX and the Bluemix services and the integration of those to our clients and prospective clients. The free Bluemix account is too small and limited to support my needs during the training. Therefore, I need your assistance and am requesting the special IBM Bluemix account to allow me to create up to 20 services, gives me up to 4GB of application memory. My Bluemix ID is, myemail@domain.com. If you need any further authorization or clarification about this request please contact the training of the session Dr. Olav Laudy (olavlaudy@ph.ibm.com)</a:t>
-            </a:r>
-          </a:p>
-        </p:txBody>
-      </p:sp>
-    </p:spTree>
-    <p:extLst>
-      <p:ext uri="{BB962C8B-B14F-4D97-AF65-F5344CB8AC3E}">
-        <p14:creationId xmlns:p14="http://schemas.microsoft.com/office/powerpoint/2010/main" val="2684759070"/>
-      </p:ext>
-    </p:extLst>
-  </p:cSld>
-  <p:clrMapOvr>
-    <a:masterClrMapping/>
-  </p:clrMapOvr>
-</p:sld>
-</file>
-
 <file path=ppt/slides/slide14.xml><?xml version="1.0" encoding="utf-8"?>
 <p:sld xmlns:a="http://schemas.openxmlformats.org/drawingml/2006/main" xmlns:r="http://schemas.openxmlformats.org/officeDocument/2006/relationships" xmlns:p="http://schemas.openxmlformats.org/presentationml/2006/main">
   <p:cSld>
@@ -5442,6 +5431,155 @@
       </p:grpSpPr>
       <p:sp>
         <p:nvSpPr>
+          <p:cNvPr id="2" name="Title 1"/>
+          <p:cNvSpPr>
+            <a:spLocks noGrp="1"/>
+          </p:cNvSpPr>
+          <p:nvPr>
+            <p:ph type="title"/>
+          </p:nvPr>
+        </p:nvSpPr>
+        <p:spPr>
+          <a:xfrm>
+            <a:off x="604520" y="263525"/>
+            <a:ext cx="10515600" cy="620395"/>
+          </a:xfrm>
+        </p:spPr>
+        <p:txBody>
+          <a:bodyPr>
+            <a:normAutofit fontScale="90000"/>
+          </a:bodyPr>
+          <a:lstStyle/>
+          <a:p>
+            <a:r>
+              <a:rPr lang="en-US" dirty="0"/>
+              <a:t>Preliminaries</a:t>
+            </a:r>
+          </a:p>
+        </p:txBody>
+      </p:sp>
+      <p:sp>
+        <p:nvSpPr>
+          <p:cNvPr id="3" name="Content Placeholder 2"/>
+          <p:cNvSpPr>
+            <a:spLocks noGrp="1"/>
+          </p:cNvSpPr>
+          <p:nvPr>
+            <p:ph idx="1"/>
+          </p:nvPr>
+        </p:nvSpPr>
+        <p:spPr>
+          <a:xfrm>
+            <a:off x="604520" y="883920"/>
+            <a:ext cx="10515600" cy="5725224"/>
+          </a:xfrm>
+        </p:spPr>
+        <p:txBody>
+          <a:bodyPr>
+            <a:normAutofit/>
+          </a:bodyPr>
+          <a:lstStyle/>
+          <a:p>
+            <a:r>
+              <a:rPr lang="en-US" sz="1800" dirty="0"/>
+              <a:t>IBM Bluemix</a:t>
+            </a:r>
+          </a:p>
+          <a:p>
+            <a:pPr lvl="1"/>
+            <a:r>
+              <a:rPr lang="en-US" sz="1600" dirty="0">
+                <a:hlinkClick r:id="rId2"/>
+              </a:rPr>
+              <a:t>https://console.ng.bluemix.net</a:t>
+            </a:r>
+            <a:endParaRPr lang="en-US" sz="1600" dirty="0"/>
+          </a:p>
+          <a:p>
+            <a:pPr marL="0" indent="0">
+              <a:buNone/>
+            </a:pPr>
+            <a:endParaRPr lang="en-US" sz="1800" dirty="0"/>
+          </a:p>
+          <a:p>
+            <a:r>
+              <a:rPr lang="en-US" sz="1800" dirty="0"/>
+              <a:t>Data Science Experience</a:t>
+            </a:r>
+          </a:p>
+          <a:p>
+            <a:pPr lvl="1"/>
+            <a:r>
+              <a:rPr lang="en-US" sz="1600" dirty="0">
+                <a:hlinkClick r:id="rId3"/>
+              </a:rPr>
+              <a:t>http://datascience.ibm.com/</a:t>
+            </a:r>
+            <a:endParaRPr lang="en-US" sz="1600" dirty="0"/>
+          </a:p>
+          <a:p>
+            <a:endParaRPr lang="en-US" sz="1800" dirty="0"/>
+          </a:p>
+          <a:p>
+            <a:r>
+              <a:rPr lang="en-US" sz="1800" dirty="0"/>
+              <a:t>The standard Bluemix account is restricted to 4 services, with 3 already occupied when you create a Data Science Experience instance. We need more for the training. </a:t>
+            </a:r>
+            <a:r>
+              <a:rPr lang="en-US" sz="1800" b="1" dirty="0"/>
+              <a:t>Please open a ticket with Bluemix support and put this in the body:</a:t>
+            </a:r>
+            <a:br>
+              <a:rPr lang="en-US" sz="1800" dirty="0"/>
+            </a:br>
+            <a:br>
+              <a:rPr lang="en-US" sz="1800" dirty="0"/>
+            </a:br>
+            <a:r>
+              <a:rPr lang="en-US" sz="1800" dirty="0"/>
+              <a:t>-----------------</a:t>
+            </a:r>
+          </a:p>
+          <a:p>
+            <a:r>
+              <a:rPr lang="en-US" sz="1800" dirty="0"/>
+              <a:t>I am an attendee of the Data Science Experience training in Singapore held from 3-5 April. I am responsible for demonstrating the capabilities of the DSX and the Bluemix services and the integration of those to our clients and prospective clients. The free Bluemix account is too small and limited to support my needs during the training. Therefore, I need your assistance and am requesting the special IBM Bluemix account to allow me to create up to 20 services, gives me up to 4GB of application memory. My Bluemix ID is, myemail@domain.com. If you need any further authorization or clarification about this request please contact the training of the session Dr. Olav Laudy (olavlaudy@ph.ibm.com)</a:t>
+            </a:r>
+          </a:p>
+        </p:txBody>
+      </p:sp>
+    </p:spTree>
+    <p:extLst>
+      <p:ext uri="{BB962C8B-B14F-4D97-AF65-F5344CB8AC3E}">
+        <p14:creationId xmlns:p14="http://schemas.microsoft.com/office/powerpoint/2010/main" val="2684759070"/>
+      </p:ext>
+    </p:extLst>
+  </p:cSld>
+  <p:clrMapOvr>
+    <a:masterClrMapping/>
+  </p:clrMapOvr>
+</p:sld>
+</file>
+
+<file path=ppt/slides/slide15.xml><?xml version="1.0" encoding="utf-8"?>
+<p:sld xmlns:a="http://schemas.openxmlformats.org/drawingml/2006/main" xmlns:r="http://schemas.openxmlformats.org/officeDocument/2006/relationships" xmlns:p="http://schemas.openxmlformats.org/presentationml/2006/main">
+  <p:cSld>
+    <p:spTree>
+      <p:nvGrpSpPr>
+        <p:cNvPr id="1" name=""/>
+        <p:cNvGrpSpPr/>
+        <p:nvPr/>
+      </p:nvGrpSpPr>
+      <p:grpSpPr>
+        <a:xfrm>
+          <a:off x="0" y="0"/>
+          <a:ext cx="0" cy="0"/>
+          <a:chOff x="0" y="0"/>
+          <a:chExt cx="0" cy="0"/>
+        </a:xfrm>
+      </p:grpSpPr>
+      <p:sp>
+        <p:nvSpPr>
           <p:cNvPr id="3" name="Content Placeholder 2"/>
           <p:cNvSpPr>
             <a:spLocks noGrp="1"/>
@@ -5815,7 +5953,7 @@
 </p:sld>
 </file>
 
-<file path=ppt/slides/slide15.xml><?xml version="1.0" encoding="utf-8"?>
+<file path=ppt/slides/slide16.xml><?xml version="1.0" encoding="utf-8"?>
 <p:sld xmlns:a="http://schemas.openxmlformats.org/drawingml/2006/main" xmlns:r="http://schemas.openxmlformats.org/officeDocument/2006/relationships" xmlns:p="http://schemas.openxmlformats.org/presentationml/2006/main">
   <p:cSld>
     <p:spTree>
@@ -6024,7 +6162,7 @@
 </p:sld>
 </file>
 
-<file path=ppt/slides/slide16.xml><?xml version="1.0" encoding="utf-8"?>
+<file path=ppt/slides/slide17.xml><?xml version="1.0" encoding="utf-8"?>
 <p:sld xmlns:a="http://schemas.openxmlformats.org/drawingml/2006/main" xmlns:r="http://schemas.openxmlformats.org/officeDocument/2006/relationships" xmlns:p="http://schemas.openxmlformats.org/presentationml/2006/main">
   <p:cSld>
     <p:spTree>
@@ -6305,7 +6443,7 @@
 </p:sld>
 </file>
 
-<file path=ppt/slides/slide17.xml><?xml version="1.0" encoding="utf-8"?>
+<file path=ppt/slides/slide18.xml><?xml version="1.0" encoding="utf-8"?>
 <p:sld xmlns:a="http://schemas.openxmlformats.org/drawingml/2006/main" xmlns:r="http://schemas.openxmlformats.org/officeDocument/2006/relationships" xmlns:p="http://schemas.openxmlformats.org/presentationml/2006/main">
   <p:cSld>
     <p:spTree>
@@ -6635,7 +6773,7 @@
 </p:sld>
 </file>
 
-<file path=ppt/slides/slide18.xml><?xml version="1.0" encoding="utf-8"?>
+<file path=ppt/slides/slide19.xml><?xml version="1.0" encoding="utf-8"?>
 <p:sld xmlns:a="http://schemas.openxmlformats.org/drawingml/2006/main" xmlns:r="http://schemas.openxmlformats.org/officeDocument/2006/relationships" xmlns:p="http://schemas.openxmlformats.org/presentationml/2006/main">
   <p:cSld>
     <p:spTree>
@@ -7030,7 +7168,158 @@
 </p:sld>
 </file>
 
-<file path=ppt/slides/slide19.xml><?xml version="1.0" encoding="utf-8"?>
+<file path=ppt/slides/slide2.xml><?xml version="1.0" encoding="utf-8"?>
+<p:sld xmlns:a="http://schemas.openxmlformats.org/drawingml/2006/main" xmlns:r="http://schemas.openxmlformats.org/officeDocument/2006/relationships" xmlns:p="http://schemas.openxmlformats.org/presentationml/2006/main">
+  <p:cSld>
+    <p:spTree>
+      <p:nvGrpSpPr>
+        <p:cNvPr id="1" name=""/>
+        <p:cNvGrpSpPr/>
+        <p:nvPr/>
+      </p:nvGrpSpPr>
+      <p:grpSpPr>
+        <a:xfrm>
+          <a:off x="0" y="0"/>
+          <a:ext cx="0" cy="0"/>
+          <a:chOff x="0" y="0"/>
+          <a:chExt cx="0" cy="0"/>
+        </a:xfrm>
+      </p:grpSpPr>
+      <p:sp>
+        <p:nvSpPr>
+          <p:cNvPr id="2" name="Title 1"/>
+          <p:cNvSpPr>
+            <a:spLocks noGrp="1"/>
+          </p:cNvSpPr>
+          <p:nvPr>
+            <p:ph type="title"/>
+          </p:nvPr>
+        </p:nvSpPr>
+        <p:spPr>
+          <a:xfrm>
+            <a:off x="364588" y="227965"/>
+            <a:ext cx="10515600" cy="1325563"/>
+          </a:xfrm>
+        </p:spPr>
+        <p:txBody>
+          <a:bodyPr/>
+          <a:lstStyle/>
+          <a:p>
+            <a:r>
+              <a:rPr lang="en-US" dirty="0"/>
+              <a:t>Agenda</a:t>
+            </a:r>
+          </a:p>
+        </p:txBody>
+      </p:sp>
+      <p:sp>
+        <p:nvSpPr>
+          <p:cNvPr id="3" name="Content Placeholder 2"/>
+          <p:cNvSpPr>
+            <a:spLocks noGrp="1"/>
+          </p:cNvSpPr>
+          <p:nvPr>
+            <p:ph idx="1"/>
+          </p:nvPr>
+        </p:nvSpPr>
+        <p:spPr>
+          <a:xfrm>
+            <a:off x="593188" y="1675448"/>
+            <a:ext cx="10515600" cy="3583403"/>
+          </a:xfrm>
+        </p:spPr>
+        <p:txBody>
+          <a:bodyPr>
+            <a:noAutofit/>
+          </a:bodyPr>
+          <a:lstStyle/>
+          <a:p>
+            <a:r>
+              <a:rPr lang="en-US" sz="3200" dirty="0"/>
+              <a:t>Bluemix – Watson Day 1</a:t>
+            </a:r>
+          </a:p>
+          <a:p>
+            <a:pPr lvl="1"/>
+            <a:r>
+              <a:rPr lang="en-US" sz="2800" dirty="0"/>
+              <a:t>Cognitive apps</a:t>
+            </a:r>
+          </a:p>
+          <a:p>
+            <a:r>
+              <a:rPr lang="en-US" sz="3200" dirty="0"/>
+              <a:t>Python – DSX Day 2-3</a:t>
+            </a:r>
+          </a:p>
+          <a:p>
+            <a:pPr lvl="1"/>
+            <a:r>
+              <a:rPr lang="en-US" sz="2800" dirty="0"/>
+              <a:t>0. Basics</a:t>
+            </a:r>
+          </a:p>
+          <a:p>
+            <a:pPr lvl="1"/>
+            <a:r>
+              <a:rPr lang="en-US" sz="2800" dirty="0"/>
+              <a:t>1. In and Export</a:t>
+            </a:r>
+          </a:p>
+          <a:p>
+            <a:pPr lvl="1"/>
+            <a:r>
+              <a:rPr lang="en-US" sz="2800" dirty="0"/>
+              <a:t>2. Watson APIs</a:t>
+            </a:r>
+          </a:p>
+          <a:p>
+            <a:pPr lvl="1"/>
+            <a:r>
+              <a:rPr lang="en-US" sz="2800" dirty="0"/>
+              <a:t>3. Visualization</a:t>
+            </a:r>
+          </a:p>
+          <a:p>
+            <a:pPr lvl="1"/>
+            <a:r>
+              <a:rPr lang="en-US" sz="2800" dirty="0"/>
+              <a:t>4. Spark</a:t>
+            </a:r>
+          </a:p>
+          <a:p>
+            <a:pPr lvl="1"/>
+            <a:r>
+              <a:rPr lang="en-US" sz="2800" dirty="0"/>
+              <a:t>5. Machine Learning</a:t>
+            </a:r>
+          </a:p>
+          <a:p>
+            <a:pPr lvl="1"/>
+            <a:r>
+              <a:rPr lang="en-US" sz="2800" dirty="0"/>
+              <a:t>6. Training - Deep Learning</a:t>
+            </a:r>
+          </a:p>
+          <a:p>
+            <a:endParaRPr lang="en-US" sz="3200" dirty="0"/>
+          </a:p>
+        </p:txBody>
+      </p:sp>
+    </p:spTree>
+    <p:extLst>
+      <p:ext uri="{BB962C8B-B14F-4D97-AF65-F5344CB8AC3E}">
+        <p14:creationId xmlns:p14="http://schemas.microsoft.com/office/powerpoint/2010/main" val="4058693199"/>
+      </p:ext>
+    </p:extLst>
+  </p:cSld>
+  <p:clrMapOvr>
+    <a:masterClrMapping/>
+  </p:clrMapOvr>
+</p:sld>
+</file>
+
+<file path=ppt/slides/slide20.xml><?xml version="1.0" encoding="utf-8"?>
 <p:sld xmlns:a="http://schemas.openxmlformats.org/drawingml/2006/main" xmlns:r="http://schemas.openxmlformats.org/officeDocument/2006/relationships" xmlns:p="http://schemas.openxmlformats.org/presentationml/2006/main">
   <p:cSld>
     <p:spTree>
@@ -7084,209 +7373,6 @@
 </p:sld>
 </file>
 
-<file path=ppt/slides/slide2.xml><?xml version="1.0" encoding="utf-8"?>
-<p:sld xmlns:a="http://schemas.openxmlformats.org/drawingml/2006/main" xmlns:r="http://schemas.openxmlformats.org/officeDocument/2006/relationships" xmlns:p="http://schemas.openxmlformats.org/presentationml/2006/main">
-  <p:cSld>
-    <p:spTree>
-      <p:nvGrpSpPr>
-        <p:cNvPr id="1" name=""/>
-        <p:cNvGrpSpPr/>
-        <p:nvPr/>
-      </p:nvGrpSpPr>
-      <p:grpSpPr>
-        <a:xfrm>
-          <a:off x="0" y="0"/>
-          <a:ext cx="0" cy="0"/>
-          <a:chOff x="0" y="0"/>
-          <a:chExt cx="0" cy="0"/>
-        </a:xfrm>
-      </p:grpSpPr>
-      <p:sp>
-        <p:nvSpPr>
-          <p:cNvPr id="2" name="Title 1"/>
-          <p:cNvSpPr>
-            <a:spLocks noGrp="1"/>
-          </p:cNvSpPr>
-          <p:nvPr>
-            <p:ph type="title"/>
-          </p:nvPr>
-        </p:nvSpPr>
-        <p:spPr>
-          <a:xfrm>
-            <a:off x="364588" y="227965"/>
-            <a:ext cx="10515600" cy="1325563"/>
-          </a:xfrm>
-        </p:spPr>
-        <p:txBody>
-          <a:bodyPr/>
-          <a:lstStyle/>
-          <a:p>
-            <a:r>
-              <a:rPr lang="en-US" dirty="0"/>
-              <a:t>Agenda</a:t>
-            </a:r>
-          </a:p>
-        </p:txBody>
-      </p:sp>
-      <p:sp>
-        <p:nvSpPr>
-          <p:cNvPr id="3" name="Content Placeholder 2"/>
-          <p:cNvSpPr>
-            <a:spLocks noGrp="1"/>
-          </p:cNvSpPr>
-          <p:nvPr>
-            <p:ph idx="1"/>
-          </p:nvPr>
-        </p:nvSpPr>
-        <p:spPr>
-          <a:xfrm>
-            <a:off x="593188" y="1675448"/>
-            <a:ext cx="10515600" cy="3583403"/>
-          </a:xfrm>
-        </p:spPr>
-        <p:txBody>
-          <a:bodyPr>
-            <a:noAutofit/>
-          </a:bodyPr>
-          <a:lstStyle/>
-          <a:p>
-            <a:r>
-              <a:rPr lang="en-US" sz="3200" dirty="0"/>
-              <a:t>Bluemix – Watson Day 1</a:t>
-            </a:r>
-          </a:p>
-          <a:p>
-            <a:pPr lvl="1"/>
-            <a:r>
-              <a:rPr lang="en-US" sz="2800" dirty="0"/>
-              <a:t>Cognitive aps</a:t>
-            </a:r>
-          </a:p>
-          <a:p>
-            <a:r>
-              <a:rPr lang="en-US" sz="3200" dirty="0"/>
-              <a:t>Python – DSX Day 2-3</a:t>
-            </a:r>
-          </a:p>
-          <a:p>
-            <a:pPr lvl="1"/>
-            <a:r>
-              <a:rPr lang="en-US" sz="2800" dirty="0"/>
-              <a:t>0. Basics</a:t>
-            </a:r>
-          </a:p>
-          <a:p>
-            <a:pPr lvl="1"/>
-            <a:r>
-              <a:rPr lang="en-US" sz="2800" dirty="0"/>
-              <a:t>1. In and Export</a:t>
-            </a:r>
-          </a:p>
-          <a:p>
-            <a:pPr lvl="1"/>
-            <a:r>
-              <a:rPr lang="en-US" sz="2800" dirty="0"/>
-              <a:t>2. Watson APIs</a:t>
-            </a:r>
-          </a:p>
-          <a:p>
-            <a:pPr lvl="1"/>
-            <a:r>
-              <a:rPr lang="en-US" sz="2800" dirty="0"/>
-              <a:t>3. Visualization</a:t>
-            </a:r>
-          </a:p>
-          <a:p>
-            <a:pPr lvl="1"/>
-            <a:r>
-              <a:rPr lang="en-US" sz="2800" dirty="0"/>
-              <a:t>4. Spark</a:t>
-            </a:r>
-          </a:p>
-          <a:p>
-            <a:pPr lvl="1"/>
-            <a:r>
-              <a:rPr lang="en-US" sz="2800" dirty="0"/>
-              <a:t>5. Machine Learning</a:t>
-            </a:r>
-          </a:p>
-          <a:p>
-            <a:pPr lvl="1"/>
-            <a:r>
-              <a:rPr lang="en-US" sz="2800" dirty="0"/>
-              <a:t>6. Training - Deep Learning</a:t>
-            </a:r>
-          </a:p>
-          <a:p>
-            <a:endParaRPr lang="en-US" sz="3200" dirty="0"/>
-          </a:p>
-        </p:txBody>
-      </p:sp>
-    </p:spTree>
-    <p:extLst>
-      <p:ext uri="{BB962C8B-B14F-4D97-AF65-F5344CB8AC3E}">
-        <p14:creationId xmlns:p14="http://schemas.microsoft.com/office/powerpoint/2010/main" val="4058693199"/>
-      </p:ext>
-    </p:extLst>
-  </p:cSld>
-  <p:clrMapOvr>
-    <a:masterClrMapping/>
-  </p:clrMapOvr>
-</p:sld>
-</file>
-
-<file path=ppt/slides/slide20.xml><?xml version="1.0" encoding="utf-8"?>
-<p:sld xmlns:a="http://schemas.openxmlformats.org/drawingml/2006/main" xmlns:r="http://schemas.openxmlformats.org/officeDocument/2006/relationships" xmlns:p="http://schemas.openxmlformats.org/presentationml/2006/main">
-  <p:cSld>
-    <p:spTree>
-      <p:nvGrpSpPr>
-        <p:cNvPr id="1" name=""/>
-        <p:cNvGrpSpPr/>
-        <p:nvPr/>
-      </p:nvGrpSpPr>
-      <p:grpSpPr>
-        <a:xfrm>
-          <a:off x="0" y="0"/>
-          <a:ext cx="0" cy="0"/>
-          <a:chOff x="0" y="0"/>
-          <a:chExt cx="0" cy="0"/>
-        </a:xfrm>
-      </p:grpSpPr>
-      <p:sp>
-        <p:nvSpPr>
-          <p:cNvPr id="2" name="Title 1"/>
-          <p:cNvSpPr>
-            <a:spLocks noGrp="1"/>
-          </p:cNvSpPr>
-          <p:nvPr>
-            <p:ph type="ctrTitle"/>
-          </p:nvPr>
-        </p:nvSpPr>
-        <p:spPr/>
-        <p:txBody>
-          <a:bodyPr/>
-          <a:lstStyle/>
-          <a:p>
-            <a:r>
-              <a:rPr lang="en-US" dirty="0"/>
-              <a:t>WATSON-BLUEMIX SESSION</a:t>
-            </a:r>
-          </a:p>
-        </p:txBody>
-      </p:sp>
-    </p:spTree>
-    <p:extLst>
-      <p:ext uri="{BB962C8B-B14F-4D97-AF65-F5344CB8AC3E}">
-        <p14:creationId xmlns:p14="http://schemas.microsoft.com/office/powerpoint/2010/main" val="4270406431"/>
-      </p:ext>
-    </p:extLst>
-  </p:cSld>
-  <p:clrMapOvr>
-    <a:masterClrMapping/>
-  </p:clrMapOvr>
-</p:sld>
-</file>
-
 <file path=ppt/slides/slide21.xml><?xml version="1.0" encoding="utf-8"?>
 <p:sld xmlns:a="http://schemas.openxmlformats.org/drawingml/2006/main" xmlns:r="http://schemas.openxmlformats.org/officeDocument/2006/relationships" xmlns:p="http://schemas.openxmlformats.org/presentationml/2006/main">
   <p:cSld>
@@ -7306,240 +7392,22 @@
       </p:grpSpPr>
       <p:sp>
         <p:nvSpPr>
-          <p:cNvPr id="3" name="Content Placeholder 2"/>
+          <p:cNvPr id="2" name="Title 1"/>
           <p:cNvSpPr>
             <a:spLocks noGrp="1"/>
           </p:cNvSpPr>
           <p:nvPr>
-            <p:ph idx="1"/>
+            <p:ph type="ctrTitle"/>
           </p:nvPr>
         </p:nvSpPr>
-        <p:spPr>
-          <a:xfrm>
-            <a:off x="809625" y="1263650"/>
-            <a:ext cx="10515600" cy="1842185"/>
-          </a:xfrm>
-        </p:spPr>
-        <p:txBody>
-          <a:bodyPr>
-            <a:normAutofit/>
-          </a:bodyPr>
-          <a:lstStyle/>
-          <a:p>
-            <a:r>
-              <a:rPr lang="en-US" sz="2000" b="1" dirty="0"/>
-              <a:t>This site contains the moon phases:</a:t>
-            </a:r>
-          </a:p>
-          <a:p>
-            <a:pPr lvl="1"/>
-            <a:r>
-              <a:rPr lang="en-US" sz="1800" b="1" u="sng" dirty="0">
-                <a:hlinkClick r:id="rId2"/>
-              </a:rPr>
-              <a:t>http://aa.usno.navy.mil/data/docs/MoonFraction.php</a:t>
-            </a:r>
-            <a:endParaRPr lang="en-US" sz="1800" b="1" dirty="0"/>
-          </a:p>
-          <a:p>
-            <a:r>
-              <a:rPr lang="en-US" sz="2000" b="1" dirty="0"/>
-              <a:t>Download this data and convert in the appropriate format (think about what appropriate means)</a:t>
-            </a:r>
-          </a:p>
-          <a:p>
-            <a:pPr lvl="1"/>
-            <a:r>
-              <a:rPr lang="en-US" sz="1800" b="1" u="sng" dirty="0">
-                <a:hlinkClick r:id="rId3"/>
-              </a:rPr>
-              <a:t>http://aa.usno.navy.mil/cgi-bin/aa_moonill2.pl?form=1&amp;year=2017&amp;task=00&amp;tz=-05</a:t>
-            </a:r>
-            <a:endParaRPr lang="en-US" sz="1800" b="1" dirty="0"/>
-          </a:p>
-          <a:p>
-            <a:endParaRPr lang="en-US" sz="2000" dirty="0"/>
-          </a:p>
-        </p:txBody>
-      </p:sp>
-      <p:sp>
-        <p:nvSpPr>
-          <p:cNvPr id="4" name="Title 1"/>
-          <p:cNvSpPr>
-            <a:spLocks noGrp="1"/>
-          </p:cNvSpPr>
-          <p:nvPr>
-            <p:ph type="title"/>
-          </p:nvPr>
-        </p:nvSpPr>
-        <p:spPr>
-          <a:xfrm>
-            <a:off x="257175" y="257175"/>
-            <a:ext cx="10515600" cy="681038"/>
-          </a:xfrm>
-        </p:spPr>
-        <p:txBody>
-          <a:bodyPr>
-            <a:normAutofit fontScale="90000"/>
-          </a:bodyPr>
+        <p:spPr/>
+        <p:txBody>
+          <a:bodyPr/>
           <a:lstStyle/>
           <a:p>
             <a:r>
               <a:rPr lang="en-US" dirty="0"/>
-              <a:t>Day 2 exercise: Moon phases</a:t>
-            </a:r>
-          </a:p>
-        </p:txBody>
-      </p:sp>
-      <p:pic>
-        <p:nvPicPr>
-          <p:cNvPr id="6" name="Picture 5"/>
-          <p:cNvPicPr>
-            <a:picLocks noChangeAspect="1"/>
-          </p:cNvPicPr>
-          <p:nvPr/>
-        </p:nvPicPr>
-        <p:blipFill rotWithShape="1">
-          <a:blip r:embed="rId4"/>
-          <a:srcRect l="7250" t="4607" r="1750" b="8352"/>
-          <a:stretch/>
-        </p:blipFill>
-        <p:spPr>
-          <a:xfrm>
-            <a:off x="595316" y="4077603"/>
-            <a:ext cx="2755579" cy="1832614"/>
-          </a:xfrm>
-          <a:prstGeom prst="rect">
-            <a:avLst/>
-          </a:prstGeom>
-        </p:spPr>
-      </p:pic>
-      <p:sp>
-        <p:nvSpPr>
-          <p:cNvPr id="7" name="TextBox 6"/>
-          <p:cNvSpPr txBox="1"/>
-          <p:nvPr/>
-        </p:nvSpPr>
-        <p:spPr>
-          <a:xfrm>
-            <a:off x="1381340" y="3567500"/>
-            <a:ext cx="1183529" cy="369332"/>
-          </a:xfrm>
-          <a:prstGeom prst="rect">
-            <a:avLst/>
-          </a:prstGeom>
-          <a:noFill/>
-        </p:spPr>
-        <p:txBody>
-          <a:bodyPr wrap="none" rtlCol="0">
-            <a:spAutoFit/>
-          </a:bodyPr>
-          <a:lstStyle/>
-          <a:p>
-            <a:r>
-              <a:rPr lang="en-US" dirty="0"/>
-              <a:t>The result:</a:t>
-            </a:r>
-          </a:p>
-        </p:txBody>
-      </p:sp>
-      <p:sp>
-        <p:nvSpPr>
-          <p:cNvPr id="8" name="Rectangle 7"/>
-          <p:cNvSpPr/>
-          <p:nvPr/>
-        </p:nvSpPr>
-        <p:spPr>
-          <a:xfrm>
-            <a:off x="3881120" y="3752166"/>
-            <a:ext cx="7985760" cy="369332"/>
-          </a:xfrm>
-          <a:prstGeom prst="rect">
-            <a:avLst/>
-          </a:prstGeom>
-        </p:spPr>
-        <p:txBody>
-          <a:bodyPr wrap="square">
-            <a:spAutoFit/>
-          </a:bodyPr>
-          <a:lstStyle/>
-          <a:p>
-            <a:r>
-              <a:rPr lang="en-US" dirty="0"/>
-              <a:t>https://github.com/analytics-bootcamp/Training-material/tree/master/0.%20Basics</a:t>
-            </a:r>
-          </a:p>
-        </p:txBody>
-      </p:sp>
-      <p:sp>
-        <p:nvSpPr>
-          <p:cNvPr id="9" name="TextBox 8"/>
-          <p:cNvSpPr txBox="1"/>
-          <p:nvPr/>
-        </p:nvSpPr>
-        <p:spPr>
-          <a:xfrm>
-            <a:off x="4257040" y="4683760"/>
-            <a:ext cx="7035067" cy="646331"/>
-          </a:xfrm>
-          <a:prstGeom prst="rect">
-            <a:avLst/>
-          </a:prstGeom>
-          <a:noFill/>
-        </p:spPr>
-        <p:txBody>
-          <a:bodyPr wrap="none" rtlCol="0">
-            <a:spAutoFit/>
-          </a:bodyPr>
-          <a:lstStyle/>
-          <a:p>
-            <a:r>
-              <a:rPr lang="fr-FR" dirty="0">
-                <a:hlinkClick r:id="rId5" tooltip="0. Basics 5. Exercise 0.ipynb"/>
-              </a:rPr>
-              <a:t>0. Basics 5. </a:t>
-            </a:r>
-            <a:r>
-              <a:rPr lang="fr-FR" dirty="0" err="1">
-                <a:hlinkClick r:id="rId5" tooltip="0. Basics 5. Exercise 0.ipynb"/>
-              </a:rPr>
-              <a:t>Exercise</a:t>
-            </a:r>
-            <a:r>
-              <a:rPr lang="fr-FR" dirty="0">
-                <a:hlinkClick r:id="rId5" tooltip="0. Basics 5. Exercise 0.ipynb"/>
-              </a:rPr>
-              <a:t> 0.ipynb</a:t>
-            </a:r>
-            <a:r>
-              <a:rPr lang="fr-FR" dirty="0"/>
-              <a:t>  </a:t>
-            </a:r>
-            <a:r>
-              <a:rPr lang="fr-FR" dirty="0" err="1"/>
-              <a:t>is</a:t>
-            </a:r>
-            <a:r>
-              <a:rPr lang="fr-FR" dirty="0"/>
-              <a:t> the base notebook</a:t>
-            </a:r>
-          </a:p>
-          <a:p>
-            <a:r>
-              <a:rPr lang="en-US" dirty="0">
-                <a:hlinkClick r:id="rId6" tooltip="0. Basics 5. Exercise help.ipynb"/>
-              </a:rPr>
-              <a:t>0. Basics 5. Exercise </a:t>
-            </a:r>
-            <a:r>
-              <a:rPr lang="en-US" dirty="0" err="1">
-                <a:hlinkClick r:id="rId6" tooltip="0. Basics 5. Exercise help.ipynb"/>
-              </a:rPr>
-              <a:t>help.ipynb</a:t>
-            </a:r>
-            <a:r>
-              <a:rPr lang="en-US" dirty="0"/>
-              <a:t> is the fill-in exercise when 0 is too difficult.</a:t>
+              <a:t>WATSON-BLUEMIX SESSION</a:t>
             </a:r>
           </a:p>
         </p:txBody>
@@ -7547,7 +7415,7 @@
     </p:spTree>
     <p:extLst>
       <p:ext uri="{BB962C8B-B14F-4D97-AF65-F5344CB8AC3E}">
-        <p14:creationId xmlns:p14="http://schemas.microsoft.com/office/powerpoint/2010/main" val="994562372"/>
+        <p14:creationId xmlns:p14="http://schemas.microsoft.com/office/powerpoint/2010/main" val="4270406431"/>
       </p:ext>
     </p:extLst>
   </p:cSld>
@@ -7576,6 +7444,276 @@
       </p:grpSpPr>
       <p:sp>
         <p:nvSpPr>
+          <p:cNvPr id="3" name="Content Placeholder 2"/>
+          <p:cNvSpPr>
+            <a:spLocks noGrp="1"/>
+          </p:cNvSpPr>
+          <p:nvPr>
+            <p:ph idx="1"/>
+          </p:nvPr>
+        </p:nvSpPr>
+        <p:spPr>
+          <a:xfrm>
+            <a:off x="809625" y="1263650"/>
+            <a:ext cx="10515600" cy="1842185"/>
+          </a:xfrm>
+        </p:spPr>
+        <p:txBody>
+          <a:bodyPr>
+            <a:normAutofit/>
+          </a:bodyPr>
+          <a:lstStyle/>
+          <a:p>
+            <a:r>
+              <a:rPr lang="en-US" sz="2000" b="1" dirty="0"/>
+              <a:t>This site contains the moon phases:</a:t>
+            </a:r>
+          </a:p>
+          <a:p>
+            <a:pPr lvl="1"/>
+            <a:r>
+              <a:rPr lang="en-US" sz="1800" b="1" u="sng" dirty="0">
+                <a:hlinkClick r:id="rId2"/>
+              </a:rPr>
+              <a:t>http://aa.usno.navy.mil/data/docs/MoonFraction.php</a:t>
+            </a:r>
+            <a:endParaRPr lang="en-US" sz="1800" b="1" dirty="0"/>
+          </a:p>
+          <a:p>
+            <a:r>
+              <a:rPr lang="en-US" sz="2000" b="1" dirty="0"/>
+              <a:t>Download this data and convert in the appropriate format (think about what appropriate means)</a:t>
+            </a:r>
+          </a:p>
+          <a:p>
+            <a:pPr lvl="1"/>
+            <a:r>
+              <a:rPr lang="en-US" sz="1800" b="1" u="sng" dirty="0">
+                <a:hlinkClick r:id="rId3"/>
+              </a:rPr>
+              <a:t>http://aa.usno.navy.mil/cgi-bin/aa_moonill2.pl?form=1&amp;year=2017&amp;task=00&amp;tz=-05</a:t>
+            </a:r>
+            <a:endParaRPr lang="en-US" sz="1800" b="1" dirty="0"/>
+          </a:p>
+          <a:p>
+            <a:endParaRPr lang="en-US" sz="2000" dirty="0"/>
+          </a:p>
+        </p:txBody>
+      </p:sp>
+      <p:sp>
+        <p:nvSpPr>
+          <p:cNvPr id="4" name="Title 1"/>
+          <p:cNvSpPr>
+            <a:spLocks noGrp="1"/>
+          </p:cNvSpPr>
+          <p:nvPr>
+            <p:ph type="title"/>
+          </p:nvPr>
+        </p:nvSpPr>
+        <p:spPr>
+          <a:xfrm>
+            <a:off x="257175" y="257175"/>
+            <a:ext cx="10515600" cy="681038"/>
+          </a:xfrm>
+        </p:spPr>
+        <p:txBody>
+          <a:bodyPr>
+            <a:normAutofit fontScale="90000"/>
+          </a:bodyPr>
+          <a:lstStyle/>
+          <a:p>
+            <a:r>
+              <a:rPr lang="en-US" dirty="0"/>
+              <a:t>Day 2 exercise: Moon phases</a:t>
+            </a:r>
+          </a:p>
+        </p:txBody>
+      </p:sp>
+      <p:pic>
+        <p:nvPicPr>
+          <p:cNvPr id="6" name="Picture 5"/>
+          <p:cNvPicPr>
+            <a:picLocks noChangeAspect="1"/>
+          </p:cNvPicPr>
+          <p:nvPr/>
+        </p:nvPicPr>
+        <p:blipFill rotWithShape="1">
+          <a:blip r:embed="rId4"/>
+          <a:srcRect l="7250" t="4607" r="1750" b="8352"/>
+          <a:stretch/>
+        </p:blipFill>
+        <p:spPr>
+          <a:xfrm>
+            <a:off x="595316" y="4077603"/>
+            <a:ext cx="2755579" cy="1832614"/>
+          </a:xfrm>
+          <a:prstGeom prst="rect">
+            <a:avLst/>
+          </a:prstGeom>
+        </p:spPr>
+      </p:pic>
+      <p:sp>
+        <p:nvSpPr>
+          <p:cNvPr id="7" name="TextBox 6"/>
+          <p:cNvSpPr txBox="1"/>
+          <p:nvPr/>
+        </p:nvSpPr>
+        <p:spPr>
+          <a:xfrm>
+            <a:off x="1381340" y="3567500"/>
+            <a:ext cx="1183529" cy="369332"/>
+          </a:xfrm>
+          <a:prstGeom prst="rect">
+            <a:avLst/>
+          </a:prstGeom>
+          <a:noFill/>
+        </p:spPr>
+        <p:txBody>
+          <a:bodyPr wrap="none" rtlCol="0">
+            <a:spAutoFit/>
+          </a:bodyPr>
+          <a:lstStyle/>
+          <a:p>
+            <a:r>
+              <a:rPr lang="en-US" dirty="0"/>
+              <a:t>The result:</a:t>
+            </a:r>
+          </a:p>
+        </p:txBody>
+      </p:sp>
+      <p:sp>
+        <p:nvSpPr>
+          <p:cNvPr id="8" name="Rectangle 7"/>
+          <p:cNvSpPr/>
+          <p:nvPr/>
+        </p:nvSpPr>
+        <p:spPr>
+          <a:xfrm>
+            <a:off x="3881120" y="3752166"/>
+            <a:ext cx="7985760" cy="369332"/>
+          </a:xfrm>
+          <a:prstGeom prst="rect">
+            <a:avLst/>
+          </a:prstGeom>
+        </p:spPr>
+        <p:txBody>
+          <a:bodyPr wrap="square">
+            <a:spAutoFit/>
+          </a:bodyPr>
+          <a:lstStyle/>
+          <a:p>
+            <a:r>
+              <a:rPr lang="en-US" dirty="0"/>
+              <a:t>https://github.com/analytics-bootcamp/Training-material/tree/master/0.%20Basics</a:t>
+            </a:r>
+          </a:p>
+        </p:txBody>
+      </p:sp>
+      <p:sp>
+        <p:nvSpPr>
+          <p:cNvPr id="9" name="TextBox 8"/>
+          <p:cNvSpPr txBox="1"/>
+          <p:nvPr/>
+        </p:nvSpPr>
+        <p:spPr>
+          <a:xfrm>
+            <a:off x="4257040" y="4683760"/>
+            <a:ext cx="7035067" cy="646331"/>
+          </a:xfrm>
+          <a:prstGeom prst="rect">
+            <a:avLst/>
+          </a:prstGeom>
+          <a:noFill/>
+        </p:spPr>
+        <p:txBody>
+          <a:bodyPr wrap="none" rtlCol="0">
+            <a:spAutoFit/>
+          </a:bodyPr>
+          <a:lstStyle/>
+          <a:p>
+            <a:r>
+              <a:rPr lang="fr-FR" dirty="0">
+                <a:hlinkClick r:id="rId5" tooltip="0. Basics 5. Exercise 0.ipynb"/>
+              </a:rPr>
+              <a:t>0. Basics 5. </a:t>
+            </a:r>
+            <a:r>
+              <a:rPr lang="fr-FR" dirty="0" err="1">
+                <a:hlinkClick r:id="rId5" tooltip="0. Basics 5. Exercise 0.ipynb"/>
+              </a:rPr>
+              <a:t>Exercise</a:t>
+            </a:r>
+            <a:r>
+              <a:rPr lang="fr-FR" dirty="0">
+                <a:hlinkClick r:id="rId5" tooltip="0. Basics 5. Exercise 0.ipynb"/>
+              </a:rPr>
+              <a:t> 0.ipynb</a:t>
+            </a:r>
+            <a:r>
+              <a:rPr lang="fr-FR" dirty="0"/>
+              <a:t>  </a:t>
+            </a:r>
+            <a:r>
+              <a:rPr lang="fr-FR" dirty="0" err="1"/>
+              <a:t>is</a:t>
+            </a:r>
+            <a:r>
+              <a:rPr lang="fr-FR" dirty="0"/>
+              <a:t> the base notebook</a:t>
+            </a:r>
+          </a:p>
+          <a:p>
+            <a:r>
+              <a:rPr lang="en-US" dirty="0">
+                <a:hlinkClick r:id="rId6" tooltip="0. Basics 5. Exercise help.ipynb"/>
+              </a:rPr>
+              <a:t>0. Basics 5. Exercise </a:t>
+            </a:r>
+            <a:r>
+              <a:rPr lang="en-US" dirty="0" err="1">
+                <a:hlinkClick r:id="rId6" tooltip="0. Basics 5. Exercise help.ipynb"/>
+              </a:rPr>
+              <a:t>help.ipynb</a:t>
+            </a:r>
+            <a:r>
+              <a:rPr lang="en-US" dirty="0"/>
+              <a:t> is the fill-in exercise when 0 is too difficult.</a:t>
+            </a:r>
+          </a:p>
+        </p:txBody>
+      </p:sp>
+    </p:spTree>
+    <p:extLst>
+      <p:ext uri="{BB962C8B-B14F-4D97-AF65-F5344CB8AC3E}">
+        <p14:creationId xmlns:p14="http://schemas.microsoft.com/office/powerpoint/2010/main" val="994562372"/>
+      </p:ext>
+    </p:extLst>
+  </p:cSld>
+  <p:clrMapOvr>
+    <a:masterClrMapping/>
+  </p:clrMapOvr>
+</p:sld>
+</file>
+
+<file path=ppt/slides/slide23.xml><?xml version="1.0" encoding="utf-8"?>
+<p:sld xmlns:a="http://schemas.openxmlformats.org/drawingml/2006/main" xmlns:r="http://schemas.openxmlformats.org/officeDocument/2006/relationships" xmlns:p="http://schemas.openxmlformats.org/presentationml/2006/main">
+  <p:cSld>
+    <p:spTree>
+      <p:nvGrpSpPr>
+        <p:cNvPr id="1" name=""/>
+        <p:cNvGrpSpPr/>
+        <p:nvPr/>
+      </p:nvGrpSpPr>
+      <p:grpSpPr>
+        <a:xfrm>
+          <a:off x="0" y="0"/>
+          <a:ext cx="0" cy="0"/>
+          <a:chOff x="0" y="0"/>
+          <a:chExt cx="0" cy="0"/>
+        </a:xfrm>
+      </p:grpSpPr>
+      <p:sp>
+        <p:nvSpPr>
           <p:cNvPr id="2" name="Title 1"/>
           <p:cNvSpPr>
             <a:spLocks noGrp="1"/>
@@ -7639,7 +7777,7 @@
 </p:sld>
 </file>
 
-<file path=ppt/slides/slide23.xml><?xml version="1.0" encoding="utf-8"?>
+<file path=ppt/slides/slide24.xml><?xml version="1.0" encoding="utf-8"?>
 <p:sld xmlns:a="http://schemas.openxmlformats.org/drawingml/2006/main" xmlns:r="http://schemas.openxmlformats.org/officeDocument/2006/relationships" xmlns:p="http://schemas.openxmlformats.org/presentationml/2006/main">
   <p:cSld>
     <p:spTree>
@@ -7766,8 +7904,8 @@
         </p:nvSpPr>
         <p:spPr>
           <a:xfrm>
-            <a:off x="513080" y="1378585"/>
-            <a:ext cx="11303000" cy="1559687"/>
+            <a:off x="448426" y="1205698"/>
+            <a:ext cx="11303000" cy="1105997"/>
           </a:xfrm>
         </p:spPr>
         <p:txBody>
@@ -7778,7 +7916,7 @@
           <a:p>
             <a:r>
               <a:rPr lang="en-US" dirty="0"/>
-              <a:t>Basic principles of this training to make you do so:</a:t>
+              <a:t>My basic learning principle:</a:t>
             </a:r>
           </a:p>
           <a:p>
@@ -8149,7 +8287,7 @@
         <p:spPr>
           <a:xfrm>
             <a:off x="8136960" y="5015808"/>
-            <a:ext cx="1509259" cy="369332"/>
+            <a:ext cx="2053767" cy="369332"/>
           </a:xfrm>
           <a:prstGeom prst="rect">
             <a:avLst/>
@@ -8164,7 +8302,7 @@
           <a:p>
             <a:r>
               <a:rPr lang="en-US" dirty="0"/>
-              <a:t>Does this say?</a:t>
+              <a:t>What does this say?</a:t>
             </a:r>
           </a:p>
         </p:txBody>
@@ -9284,7 +9422,7 @@
         <p:spPr>
           <a:xfrm>
             <a:off x="8136960" y="5015808"/>
-            <a:ext cx="1401859" cy="369332"/>
+            <a:ext cx="2358723" cy="369332"/>
           </a:xfrm>
           <a:prstGeom prst="rect">
             <a:avLst/>
@@ -9299,7 +9437,7 @@
           <a:p>
             <a:r>
               <a:rPr lang="en-US" dirty="0"/>
-              <a:t>Does this say</a:t>
+              <a:t>This works like a switch</a:t>
             </a:r>
           </a:p>
         </p:txBody>
@@ -12468,19 +12606,19 @@
         </p:nvSpPr>
         <p:spPr>
           <a:xfrm>
-            <a:off x="513080" y="1378585"/>
-            <a:ext cx="11303000" cy="4676775"/>
+            <a:off x="448426" y="1205698"/>
+            <a:ext cx="11303000" cy="1105997"/>
           </a:xfrm>
         </p:spPr>
         <p:txBody>
           <a:bodyPr>
-            <a:normAutofit fontScale="92500" lnSpcReduction="20000"/>
+            <a:normAutofit/>
           </a:bodyPr>
           <a:lstStyle/>
           <a:p>
             <a:r>
               <a:rPr lang="en-US" dirty="0"/>
-              <a:t>Basic principles of this training to make you do so:</a:t>
+              <a:t>My basic learning principle:</a:t>
             </a:r>
           </a:p>
           <a:p>
@@ -12491,125 +12629,92 @@
             </a:r>
           </a:p>
           <a:p>
-            <a:pPr lvl="1"/>
-            <a:r>
-              <a:rPr lang="en-US" dirty="0"/>
-              <a:t>Understand whether you understand something or not</a:t>
-            </a:r>
-          </a:p>
-          <a:p>
-            <a:pPr lvl="1"/>
-            <a:r>
-              <a:rPr lang="en-US" dirty="0"/>
-              <a:t>Understand what you need to understand and what not - or what you can understand later. </a:t>
-            </a:r>
-          </a:p>
-          <a:p>
-            <a:pPr lvl="1"/>
-            <a:r>
-              <a:rPr lang="en-US" dirty="0"/>
-              <a:t>Learn to ask yourself questions – the right questions</a:t>
-            </a:r>
-          </a:p>
-          <a:p>
-            <a:pPr lvl="1"/>
-            <a:r>
-              <a:rPr lang="en-US" dirty="0"/>
-              <a:t>Learn to learn  - observe how you learn –learn beyond classroom learn                      </a:t>
-            </a:r>
-          </a:p>
-          <a:p>
-            <a:pPr lvl="1"/>
-            <a:r>
-              <a:rPr lang="en-US" dirty="0"/>
-              <a:t>Use your moments of clarity wisely</a:t>
-            </a:r>
-          </a:p>
-          <a:p>
-            <a:pPr lvl="1"/>
-            <a:r>
-              <a:rPr lang="en-US" dirty="0"/>
-              <a:t>Use multiple sources</a:t>
-            </a:r>
-          </a:p>
-          <a:p>
-            <a:pPr lvl="1"/>
-            <a:r>
-              <a:rPr lang="en-US" dirty="0"/>
-              <a:t>Smart Copy Paste – give credit &amp; add value –think creator vs curator</a:t>
-            </a:r>
-          </a:p>
-          <a:p>
-            <a:pPr lvl="1"/>
-            <a:r>
-              <a:rPr lang="en-US" dirty="0"/>
-              <a:t>LMGTFY: </a:t>
-            </a:r>
-            <a:r>
-              <a:rPr lang="en-US" dirty="0">
-                <a:hlinkClick r:id="rId2"/>
-              </a:rPr>
-              <a:t>http://lmgtfy.com/?q=what+is+the+meaning+of+lmgtfy</a:t>
-            </a:r>
+            <a:pPr marL="457200" lvl="1" indent="0">
+              <a:buNone/>
+            </a:pPr>
             <a:endParaRPr lang="en-US" dirty="0"/>
-          </a:p>
-          <a:p>
-            <a:pPr lvl="1"/>
-            <a:r>
-              <a:rPr lang="en-US" dirty="0"/>
-              <a:t>Make minimal viable examples </a:t>
-            </a:r>
-          </a:p>
-          <a:p>
-            <a:pPr lvl="1"/>
-            <a:r>
-              <a:rPr lang="en-US" dirty="0"/>
-              <a:t>Construct a solution as composition of multiple small solved problems.</a:t>
-            </a:r>
-          </a:p>
-          <a:p>
-            <a:pPr lvl="1"/>
-            <a:r>
-              <a:rPr lang="en-US" dirty="0"/>
-              <a:t>Explore and produce: with everything you do: produce something reusable</a:t>
-            </a:r>
-          </a:p>
-          <a:p>
-            <a:pPr lvl="1"/>
-            <a:r>
-              <a:rPr lang="en-US" dirty="0"/>
-              <a:t>Understand </a:t>
-            </a:r>
-            <a:r>
-              <a:rPr lang="en-US"/>
-              <a:t>what your </a:t>
-            </a:r>
-            <a:r>
-              <a:rPr lang="en-US" dirty="0"/>
-              <a:t>phone and email do to you</a:t>
-            </a:r>
-          </a:p>
-          <a:p>
-            <a:pPr lvl="1"/>
-            <a:r>
-              <a:rPr lang="en-US" dirty="0"/>
-              <a:t>Be passionate – find your passion</a:t>
-            </a:r>
           </a:p>
           <a:p>
             <a:pPr lvl="1"/>
             <a:endParaRPr lang="en-US" dirty="0"/>
           </a:p>
-          <a:p>
-            <a:pPr lvl="1"/>
+        </p:txBody>
+      </p:sp>
+      <p:sp>
+        <p:nvSpPr>
+          <p:cNvPr id="5" name="TextBox 4"/>
+          <p:cNvSpPr txBox="1"/>
+          <p:nvPr/>
+        </p:nvSpPr>
+        <p:spPr>
+          <a:xfrm>
+            <a:off x="720436" y="2311695"/>
+            <a:ext cx="10086109" cy="4247317"/>
+          </a:xfrm>
+          <a:prstGeom prst="rect">
+            <a:avLst/>
+          </a:prstGeom>
+          <a:noFill/>
+        </p:spPr>
+        <p:txBody>
+          <a:bodyPr wrap="square" rtlCol="0">
+            <a:spAutoFit/>
+          </a:bodyPr>
+          <a:lstStyle/>
+          <a:p>
+            <a:r>
+              <a:rPr lang="en-US" dirty="0"/>
+              <a:t>I’m so dumb that I need to ask (myself) 1000 questions before I have the feeling I understand something.</a:t>
+            </a:r>
+          </a:p>
+          <a:p>
+            <a:r>
+              <a:rPr lang="en-US" dirty="0"/>
+              <a:t>I’ very dedicated to find the answers to those questions. I know they come in layers and over time</a:t>
+            </a:r>
+          </a:p>
+          <a:p>
             <a:endParaRPr lang="en-US" dirty="0"/>
+          </a:p>
+          <a:p>
+            <a:r>
+              <a:rPr lang="en-US" dirty="0"/>
+              <a:t>Surprisingly, when other people say they understand something, I often find them settle with having asked themselves way fewer questions.</a:t>
+            </a:r>
+          </a:p>
+          <a:p>
+            <a:endParaRPr lang="en-US" dirty="0"/>
+          </a:p>
+          <a:p>
+            <a:r>
+              <a:rPr lang="en-US" dirty="0"/>
+              <a:t>When I’m asked to explain something, I simply repeat my earlier found answers. That in turn, often results in people finding me smart. </a:t>
+            </a:r>
+          </a:p>
+          <a:p>
+            <a:endParaRPr lang="en-US" dirty="0"/>
+          </a:p>
+          <a:p>
+            <a:r>
+              <a:rPr lang="en-US" dirty="0"/>
+              <a:t>The truth is: they don’t see how much effort it took me to find my own answers. I’m pretty dumb, but I have found a way to make my stupidity work for me. </a:t>
+            </a:r>
+          </a:p>
+          <a:p>
+            <a:endParaRPr lang="en-US" dirty="0"/>
+          </a:p>
+          <a:p>
+            <a:r>
+              <a:rPr lang="en-US" b="1" dirty="0"/>
+              <a:t>Your stupidity guides you by exactly showing what you do not understand. Follow that; formulate that into questions. Be persistent in finding answers to those questions. Suddenly other people find you smart.   </a:t>
+            </a:r>
           </a:p>
         </p:txBody>
       </p:sp>
     </p:spTree>
     <p:extLst>
       <p:ext uri="{BB962C8B-B14F-4D97-AF65-F5344CB8AC3E}">
-        <p14:creationId xmlns:p14="http://schemas.microsoft.com/office/powerpoint/2010/main" val="2116990466"/>
+        <p14:creationId xmlns:p14="http://schemas.microsoft.com/office/powerpoint/2010/main" val="3453970247"/>
       </p:ext>
     </p:extLst>
   </p:cSld>
@@ -12648,24 +12753,26 @@
         </p:nvSpPr>
         <p:spPr>
           <a:xfrm>
-            <a:off x="525683" y="133537"/>
-            <a:ext cx="10515600" cy="1325563"/>
-          </a:xfrm>
-        </p:spPr>
-        <p:txBody>
-          <a:bodyPr/>
+            <a:off x="381000" y="314325"/>
+            <a:ext cx="10515600" cy="569595"/>
+          </a:xfrm>
+        </p:spPr>
+        <p:txBody>
+          <a:bodyPr>
+            <a:normAutofit fontScale="90000"/>
+          </a:bodyPr>
           <a:lstStyle/>
           <a:p>
             <a:r>
               <a:rPr lang="en-US" dirty="0"/>
-              <a:t>Take learning in your own hand</a:t>
-            </a:r>
-          </a:p>
-        </p:txBody>
-      </p:sp>
-      <p:sp>
-        <p:nvSpPr>
-          <p:cNvPr id="6" name="Content Placeholder 5"/>
+              <a:t>Why are you not giving this training?</a:t>
+            </a:r>
+          </a:p>
+        </p:txBody>
+      </p:sp>
+      <p:sp>
+        <p:nvSpPr>
+          <p:cNvPr id="3" name="Content Placeholder 2"/>
           <p:cNvSpPr>
             <a:spLocks noGrp="1"/>
           </p:cNvSpPr>
@@ -12675,70 +12782,139 @@
         </p:nvSpPr>
         <p:spPr>
           <a:xfrm>
-            <a:off x="641430" y="1733027"/>
-            <a:ext cx="10701760" cy="4488921"/>
-          </a:xfrm>
-          <a:prstGeom prst="rect">
-            <a:avLst/>
-          </a:prstGeom>
-        </p:spPr>
-        <p:txBody>
-          <a:bodyPr wrap="square">
-            <a:spAutoFit/>
+            <a:off x="513080" y="1378585"/>
+            <a:ext cx="11303000" cy="4676775"/>
+          </a:xfrm>
+        </p:spPr>
+        <p:txBody>
+          <a:bodyPr>
+            <a:normAutofit fontScale="85000" lnSpcReduction="20000"/>
           </a:bodyPr>
           <a:lstStyle/>
           <a:p>
             <a:r>
               <a:rPr lang="en-US" dirty="0"/>
-              <a:t>All material is set up as self-learning</a:t>
-            </a:r>
-          </a:p>
-          <a:p>
+              <a:t>My basic learning principles:</a:t>
+            </a:r>
+          </a:p>
+          <a:p>
+            <a:pPr lvl="1"/>
             <a:r>
               <a:rPr lang="en-US" dirty="0"/>
-              <a:t>This training: get yourself up an running to self study </a:t>
-            </a:r>
-          </a:p>
-          <a:p>
-            <a:endParaRPr lang="en-US" dirty="0"/>
-          </a:p>
-          <a:p>
+              <a:t>Let your stupidity serve you</a:t>
+            </a:r>
+          </a:p>
+          <a:p>
+            <a:pPr lvl="1"/>
             <a:r>
               <a:rPr lang="en-US" dirty="0"/>
-              <a:t>Vote for the topics </a:t>
-            </a:r>
-            <a:r>
-              <a:rPr lang="en-US" b="1" dirty="0"/>
-              <a:t>before start of day 2</a:t>
-            </a:r>
+              <a:t>Understand whether you understand something or not</a:t>
+            </a:r>
+          </a:p>
+          <a:p>
+            <a:pPr lvl="1"/>
             <a:r>
               <a:rPr lang="en-US" dirty="0"/>
-              <a:t>:</a:t>
+              <a:t>Understand what you need to understand and what not - or what you can understand later. </a:t>
             </a:r>
           </a:p>
           <a:p>
             <a:pPr lvl="1"/>
+            <a:r>
+              <a:rPr lang="en-US" dirty="0"/>
+              <a:t>Learn to ask yourself questions – the right questions</a:t>
+            </a:r>
+          </a:p>
+          <a:p>
+            <a:pPr lvl="1"/>
+            <a:r>
+              <a:rPr lang="en-US" dirty="0"/>
+              <a:t>Learn to learn  - observe how you learn –learn to learn beyond the classroom</a:t>
+            </a:r>
+          </a:p>
+          <a:p>
+            <a:pPr lvl="1"/>
+            <a:r>
+              <a:rPr lang="en-US" dirty="0"/>
+              <a:t>Use your moments of clarity wisely</a:t>
+            </a:r>
+          </a:p>
+          <a:p>
+            <a:pPr lvl="1"/>
+            <a:r>
+              <a:rPr lang="en-US" dirty="0"/>
+              <a:t>Use multiple sources</a:t>
+            </a:r>
+          </a:p>
+          <a:p>
+            <a:pPr lvl="1"/>
+            <a:r>
+              <a:rPr lang="en-US" dirty="0"/>
+              <a:t>Smart Copy Paste – give credit &amp; add value –think creator vs curator</a:t>
+            </a:r>
+          </a:p>
+          <a:p>
+            <a:pPr lvl="1"/>
+            <a:r>
+              <a:rPr lang="en-US" dirty="0"/>
+              <a:t>LMGTFY: </a:t>
+            </a:r>
             <a:r>
               <a:rPr lang="en-US" dirty="0">
                 <a:hlinkClick r:id="rId2"/>
               </a:rPr>
-              <a:t>https://codeshare.io/2pAwm4</a:t>
+              <a:t>http://lmgtfy.com/?q=what+is+the+meaning+of+lmgtfy</a:t>
             </a:r>
             <a:endParaRPr lang="en-US" dirty="0"/>
           </a:p>
           <a:p>
+            <a:pPr lvl="1"/>
+            <a:r>
+              <a:rPr lang="en-US" dirty="0"/>
+              <a:t>Make minimal viable examples </a:t>
+            </a:r>
+          </a:p>
+          <a:p>
+            <a:pPr lvl="1"/>
+            <a:r>
+              <a:rPr lang="en-US" dirty="0"/>
+              <a:t>Construct a solution as composition of multiple small solved problems.</a:t>
+            </a:r>
+          </a:p>
+          <a:p>
+            <a:pPr lvl="1"/>
+            <a:r>
+              <a:rPr lang="en-US" dirty="0"/>
+              <a:t>Explore and produce: with everything you do: produce something reusable</a:t>
+            </a:r>
+          </a:p>
+          <a:p>
+            <a:pPr lvl="1"/>
+            <a:r>
+              <a:rPr lang="en-US" dirty="0"/>
+              <a:t>Collaborate &amp; iterate</a:t>
+            </a:r>
+          </a:p>
+          <a:p>
+            <a:pPr lvl="1"/>
+            <a:r>
+              <a:rPr lang="en-US" dirty="0"/>
+              <a:t>Understand what your phone and email do to you</a:t>
+            </a:r>
+          </a:p>
+          <a:p>
+            <a:pPr lvl="1"/>
+            <a:r>
+              <a:rPr lang="en-US" dirty="0"/>
+              <a:t>Be passionate – find your passion</a:t>
+            </a:r>
+          </a:p>
+          <a:p>
+            <a:pPr lvl="1"/>
             <a:endParaRPr lang="en-US" dirty="0"/>
           </a:p>
           <a:p>
-            <a:r>
-              <a:rPr lang="en-US" dirty="0"/>
-              <a:t>No input = no vote</a:t>
-            </a:r>
-          </a:p>
-          <a:p>
-            <a:endParaRPr lang="en-US" dirty="0"/>
-          </a:p>
-          <a:p>
+            <a:pPr lvl="1"/>
             <a:endParaRPr lang="en-US" dirty="0"/>
           </a:p>
         </p:txBody>
@@ -12746,7 +12922,7 @@
     </p:spTree>
     <p:extLst>
       <p:ext uri="{BB962C8B-B14F-4D97-AF65-F5344CB8AC3E}">
-        <p14:creationId xmlns:p14="http://schemas.microsoft.com/office/powerpoint/2010/main" val="4014838548"/>
+        <p14:creationId xmlns:p14="http://schemas.microsoft.com/office/powerpoint/2010/main" val="2116990466"/>
       </p:ext>
     </p:extLst>
   </p:cSld>

--- a/Class intro.pptx
+++ b/Class intro.pptx
@@ -264,7 +264,7 @@
           <a:p>
             <a:fld id="{74DAA6A8-A8BE-4708-A87F-98E2A1874563}" type="datetimeFigureOut">
               <a:rPr lang="en-US" smtClean="0"/>
-              <a:t>02-Apr-17</a:t>
+              <a:t>03-Apr-17</a:t>
             </a:fld>
             <a:endParaRPr lang="en-US"/>
           </a:p>
@@ -432,7 +432,7 @@
           <a:p>
             <a:fld id="{74DAA6A8-A8BE-4708-A87F-98E2A1874563}" type="datetimeFigureOut">
               <a:rPr lang="en-US" smtClean="0"/>
-              <a:t>02-Apr-17</a:t>
+              <a:t>03-Apr-17</a:t>
             </a:fld>
             <a:endParaRPr lang="en-US"/>
           </a:p>
@@ -610,7 +610,7 @@
           <a:p>
             <a:fld id="{74DAA6A8-A8BE-4708-A87F-98E2A1874563}" type="datetimeFigureOut">
               <a:rPr lang="en-US" smtClean="0"/>
-              <a:t>02-Apr-17</a:t>
+              <a:t>03-Apr-17</a:t>
             </a:fld>
             <a:endParaRPr lang="en-US"/>
           </a:p>
@@ -778,7 +778,7 @@
           <a:p>
             <a:fld id="{74DAA6A8-A8BE-4708-A87F-98E2A1874563}" type="datetimeFigureOut">
               <a:rPr lang="en-US" smtClean="0"/>
-              <a:t>02-Apr-17</a:t>
+              <a:t>03-Apr-17</a:t>
             </a:fld>
             <a:endParaRPr lang="en-US"/>
           </a:p>
@@ -1023,7 +1023,7 @@
           <a:p>
             <a:fld id="{74DAA6A8-A8BE-4708-A87F-98E2A1874563}" type="datetimeFigureOut">
               <a:rPr lang="en-US" smtClean="0"/>
-              <a:t>02-Apr-17</a:t>
+              <a:t>03-Apr-17</a:t>
             </a:fld>
             <a:endParaRPr lang="en-US"/>
           </a:p>
@@ -1252,7 +1252,7 @@
           <a:p>
             <a:fld id="{74DAA6A8-A8BE-4708-A87F-98E2A1874563}" type="datetimeFigureOut">
               <a:rPr lang="en-US" smtClean="0"/>
-              <a:t>02-Apr-17</a:t>
+              <a:t>03-Apr-17</a:t>
             </a:fld>
             <a:endParaRPr lang="en-US"/>
           </a:p>
@@ -1616,7 +1616,7 @@
           <a:p>
             <a:fld id="{74DAA6A8-A8BE-4708-A87F-98E2A1874563}" type="datetimeFigureOut">
               <a:rPr lang="en-US" smtClean="0"/>
-              <a:t>02-Apr-17</a:t>
+              <a:t>03-Apr-17</a:t>
             </a:fld>
             <a:endParaRPr lang="en-US"/>
           </a:p>
@@ -1733,7 +1733,7 @@
           <a:p>
             <a:fld id="{74DAA6A8-A8BE-4708-A87F-98E2A1874563}" type="datetimeFigureOut">
               <a:rPr lang="en-US" smtClean="0"/>
-              <a:t>02-Apr-17</a:t>
+              <a:t>03-Apr-17</a:t>
             </a:fld>
             <a:endParaRPr lang="en-US"/>
           </a:p>
@@ -1828,7 +1828,7 @@
           <a:p>
             <a:fld id="{74DAA6A8-A8BE-4708-A87F-98E2A1874563}" type="datetimeFigureOut">
               <a:rPr lang="en-US" smtClean="0"/>
-              <a:t>02-Apr-17</a:t>
+              <a:t>03-Apr-17</a:t>
             </a:fld>
             <a:endParaRPr lang="en-US"/>
           </a:p>
@@ -2103,7 +2103,7 @@
           <a:p>
             <a:fld id="{74DAA6A8-A8BE-4708-A87F-98E2A1874563}" type="datetimeFigureOut">
               <a:rPr lang="en-US" smtClean="0"/>
-              <a:t>02-Apr-17</a:t>
+              <a:t>03-Apr-17</a:t>
             </a:fld>
             <a:endParaRPr lang="en-US"/>
           </a:p>
@@ -2355,7 +2355,7 @@
           <a:p>
             <a:fld id="{74DAA6A8-A8BE-4708-A87F-98E2A1874563}" type="datetimeFigureOut">
               <a:rPr lang="en-US" smtClean="0"/>
-              <a:t>02-Apr-17</a:t>
+              <a:t>03-Apr-17</a:t>
             </a:fld>
             <a:endParaRPr lang="en-US"/>
           </a:p>
@@ -2566,7 +2566,7 @@
           <a:p>
             <a:fld id="{74DAA6A8-A8BE-4708-A87F-98E2A1874563}" type="datetimeFigureOut">
               <a:rPr lang="en-US" smtClean="0"/>
-              <a:t>02-Apr-17</a:t>
+              <a:t>03-Apr-17</a:t>
             </a:fld>
             <a:endParaRPr lang="en-US"/>
           </a:p>
@@ -5591,7 +5591,7 @@
         <p:spPr>
           <a:xfrm>
             <a:off x="227999" y="193015"/>
-            <a:ext cx="10515600" cy="5232083"/>
+            <a:ext cx="10515600" cy="1266273"/>
           </a:xfrm>
         </p:spPr>
         <p:txBody>
@@ -5625,7 +5625,7 @@
           <a:p>
             <a:r>
               <a:rPr lang="en-US" sz="1600" dirty="0"/>
-              <a:t>Fork the following repositories in your own space:</a:t>
+              <a:t>Login in to your account and fork the following repositories in your own space:</a:t>
             </a:r>
           </a:p>
           <a:p>
@@ -5707,7 +5707,7 @@
         </p:blipFill>
         <p:spPr>
           <a:xfrm>
-            <a:off x="5115257" y="1797638"/>
+            <a:off x="6193779" y="1797638"/>
             <a:ext cx="4435012" cy="1690739"/>
           </a:xfrm>
           <a:prstGeom prst="rect">
@@ -5735,7 +5735,7 @@
         </p:blipFill>
         <p:spPr>
           <a:xfrm>
-            <a:off x="5189122" y="4146496"/>
+            <a:off x="6267644" y="4146496"/>
             <a:ext cx="3938016" cy="2121408"/>
           </a:xfrm>
           <a:prstGeom prst="rect">
@@ -5825,7 +5825,7 @@
         <p:spPr>
           <a:xfrm>
             <a:off x="227999" y="1459288"/>
-            <a:ext cx="1018933" cy="307777"/>
+            <a:ext cx="4856009" cy="307777"/>
           </a:xfrm>
           <a:prstGeom prst="rect">
             <a:avLst/>
@@ -5840,7 +5840,7 @@
           <a:p>
             <a:r>
               <a:rPr lang="en-US" sz="1400" dirty="0"/>
-              <a:t>Step 1: fork</a:t>
+              <a:t>Step 1: fork (browse to the respective pages above &amp; click fork)</a:t>
             </a:r>
           </a:p>
         </p:txBody>
@@ -5890,7 +5890,7 @@
         </p:nvSpPr>
         <p:spPr>
           <a:xfrm>
-            <a:off x="4952056" y="1459288"/>
+            <a:off x="6030578" y="1459288"/>
             <a:ext cx="3406766" cy="307777"/>
           </a:xfrm>
           <a:prstGeom prst="rect">
@@ -5919,7 +5919,7 @@
         </p:nvSpPr>
         <p:spPr>
           <a:xfrm>
-            <a:off x="4966555" y="3799970"/>
+            <a:off x="6045077" y="3799970"/>
             <a:ext cx="5296450" cy="307777"/>
           </a:xfrm>
           <a:prstGeom prst="rect">
@@ -5937,6 +5937,46 @@
               <a:rPr lang="en-US" sz="1400" dirty="0"/>
               <a:t>Step 4: add material to the local folder: use your name in the filename</a:t>
             </a:r>
+          </a:p>
+        </p:txBody>
+      </p:sp>
+      <p:sp>
+        <p:nvSpPr>
+          <p:cNvPr id="16" name="Arrow: Left 15"/>
+          <p:cNvSpPr/>
+          <p:nvPr/>
+        </p:nvSpPr>
+        <p:spPr>
+          <a:xfrm rot="11700000">
+            <a:off x="7523097" y="1803455"/>
+            <a:ext cx="375930" cy="230909"/>
+          </a:xfrm>
+          <a:prstGeom prst="leftArrow">
+            <a:avLst/>
+          </a:prstGeom>
+        </p:spPr>
+        <p:style>
+          <a:lnRef idx="2">
+            <a:schemeClr val="accent1">
+              <a:shade val="50000"/>
+            </a:schemeClr>
+          </a:lnRef>
+          <a:fillRef idx="1">
+            <a:schemeClr val="accent1"/>
+          </a:fillRef>
+          <a:effectRef idx="0">
+            <a:schemeClr val="accent1"/>
+          </a:effectRef>
+          <a:fontRef idx="minor">
+            <a:schemeClr val="lt1"/>
+          </a:fontRef>
+        </p:style>
+        <p:txBody>
+          <a:bodyPr rtlCol="0" anchor="ctr"/>
+          <a:lstStyle/>
+          <a:p>
+            <a:pPr algn="ctr"/>
+            <a:endParaRPr lang="en-US" sz="1400"/>
           </a:p>
         </p:txBody>
       </p:sp>

--- a/Class intro.pptx
+++ b/Class intro.pptx
@@ -5591,7 +5591,7 @@
         <p:spPr>
           <a:xfrm>
             <a:off x="227999" y="193015"/>
-            <a:ext cx="10515600" cy="1266273"/>
+            <a:ext cx="10515600" cy="5232083"/>
           </a:xfrm>
         </p:spPr>
         <p:txBody>
@@ -5625,7 +5625,7 @@
           <a:p>
             <a:r>
               <a:rPr lang="en-US" sz="1600" dirty="0"/>
-              <a:t>Login in to your account and fork the following repositories in your own space:</a:t>
+              <a:t>Log in and fork the following repositories in your own space:</a:t>
             </a:r>
           </a:p>
           <a:p>
@@ -5707,7 +5707,7 @@
         </p:blipFill>
         <p:spPr>
           <a:xfrm>
-            <a:off x="6193779" y="1797638"/>
+            <a:off x="5115257" y="1797638"/>
             <a:ext cx="4435012" cy="1690739"/>
           </a:xfrm>
           <a:prstGeom prst="rect">
@@ -5735,7 +5735,7 @@
         </p:blipFill>
         <p:spPr>
           <a:xfrm>
-            <a:off x="6267644" y="4146496"/>
+            <a:off x="5189122" y="4146496"/>
             <a:ext cx="3938016" cy="2121408"/>
           </a:xfrm>
           <a:prstGeom prst="rect">
@@ -5825,7 +5825,7 @@
         <p:spPr>
           <a:xfrm>
             <a:off x="227999" y="1459288"/>
-            <a:ext cx="4856009" cy="307777"/>
+            <a:ext cx="3598293" cy="307777"/>
           </a:xfrm>
           <a:prstGeom prst="rect">
             <a:avLst/>
@@ -5840,7 +5840,7 @@
           <a:p>
             <a:r>
               <a:rPr lang="en-US" sz="1400" dirty="0"/>
-              <a:t>Step 1: fork (browse to the respective pages above &amp; click fork)</a:t>
+              <a:t>Step 1: browse to the links above and click fork</a:t>
             </a:r>
           </a:p>
         </p:txBody>
@@ -5890,7 +5890,7 @@
         </p:nvSpPr>
         <p:spPr>
           <a:xfrm>
-            <a:off x="6030578" y="1459288"/>
+            <a:off x="4952056" y="1459288"/>
             <a:ext cx="3406766" cy="307777"/>
           </a:xfrm>
           <a:prstGeom prst="rect">
@@ -5919,7 +5919,7 @@
         </p:nvSpPr>
         <p:spPr>
           <a:xfrm>
-            <a:off x="6045077" y="3799970"/>
+            <a:off x="4966555" y="3799970"/>
             <a:ext cx="5296450" cy="307777"/>
           </a:xfrm>
           <a:prstGeom prst="rect">
@@ -5937,46 +5937,6 @@
               <a:rPr lang="en-US" sz="1400" dirty="0"/>
               <a:t>Step 4: add material to the local folder: use your name in the filename</a:t>
             </a:r>
-          </a:p>
-        </p:txBody>
-      </p:sp>
-      <p:sp>
-        <p:nvSpPr>
-          <p:cNvPr id="16" name="Arrow: Left 15"/>
-          <p:cNvSpPr/>
-          <p:nvPr/>
-        </p:nvSpPr>
-        <p:spPr>
-          <a:xfrm rot="11700000">
-            <a:off x="7523097" y="1803455"/>
-            <a:ext cx="375930" cy="230909"/>
-          </a:xfrm>
-          <a:prstGeom prst="leftArrow">
-            <a:avLst/>
-          </a:prstGeom>
-        </p:spPr>
-        <p:style>
-          <a:lnRef idx="2">
-            <a:schemeClr val="accent1">
-              <a:shade val="50000"/>
-            </a:schemeClr>
-          </a:lnRef>
-          <a:fillRef idx="1">
-            <a:schemeClr val="accent1"/>
-          </a:fillRef>
-          <a:effectRef idx="0">
-            <a:schemeClr val="accent1"/>
-          </a:effectRef>
-          <a:fontRef idx="minor">
-            <a:schemeClr val="lt1"/>
-          </a:fontRef>
-        </p:style>
-        <p:txBody>
-          <a:bodyPr rtlCol="0" anchor="ctr"/>
-          <a:lstStyle/>
-          <a:p>
-            <a:pPr algn="ctr"/>
-            <a:endParaRPr lang="en-US" sz="1400"/>
           </a:p>
         </p:txBody>
       </p:sp>

--- a/Class intro.pptx
+++ b/Class intro.pptx
@@ -26,9 +26,11 @@
     <p:sldId id="276" r:id="rId20"/>
     <p:sldId id="275" r:id="rId21"/>
     <p:sldId id="278" r:id="rId22"/>
-    <p:sldId id="258" r:id="rId23"/>
-    <p:sldId id="259" r:id="rId24"/>
-    <p:sldId id="260" r:id="rId25"/>
+    <p:sldId id="284" r:id="rId23"/>
+    <p:sldId id="285" r:id="rId24"/>
+    <p:sldId id="258" r:id="rId25"/>
+    <p:sldId id="259" r:id="rId26"/>
+    <p:sldId id="260" r:id="rId27"/>
   </p:sldIdLst>
   <p:sldSz cx="12192000" cy="6858000"/>
   <p:notesSz cx="6858000" cy="9144000"/>
@@ -264,7 +266,7 @@
           <a:p>
             <a:fld id="{74DAA6A8-A8BE-4708-A87F-98E2A1874563}" type="datetimeFigureOut">
               <a:rPr lang="en-US" smtClean="0"/>
-              <a:t>03-Apr-17</a:t>
+              <a:t>04-Apr-17</a:t>
             </a:fld>
             <a:endParaRPr lang="en-US"/>
           </a:p>
@@ -432,7 +434,7 @@
           <a:p>
             <a:fld id="{74DAA6A8-A8BE-4708-A87F-98E2A1874563}" type="datetimeFigureOut">
               <a:rPr lang="en-US" smtClean="0"/>
-              <a:t>03-Apr-17</a:t>
+              <a:t>04-Apr-17</a:t>
             </a:fld>
             <a:endParaRPr lang="en-US"/>
           </a:p>
@@ -610,7 +612,7 @@
           <a:p>
             <a:fld id="{74DAA6A8-A8BE-4708-A87F-98E2A1874563}" type="datetimeFigureOut">
               <a:rPr lang="en-US" smtClean="0"/>
-              <a:t>03-Apr-17</a:t>
+              <a:t>04-Apr-17</a:t>
             </a:fld>
             <a:endParaRPr lang="en-US"/>
           </a:p>
@@ -778,7 +780,7 @@
           <a:p>
             <a:fld id="{74DAA6A8-A8BE-4708-A87F-98E2A1874563}" type="datetimeFigureOut">
               <a:rPr lang="en-US" smtClean="0"/>
-              <a:t>03-Apr-17</a:t>
+              <a:t>04-Apr-17</a:t>
             </a:fld>
             <a:endParaRPr lang="en-US"/>
           </a:p>
@@ -1023,7 +1025,7 @@
           <a:p>
             <a:fld id="{74DAA6A8-A8BE-4708-A87F-98E2A1874563}" type="datetimeFigureOut">
               <a:rPr lang="en-US" smtClean="0"/>
-              <a:t>03-Apr-17</a:t>
+              <a:t>04-Apr-17</a:t>
             </a:fld>
             <a:endParaRPr lang="en-US"/>
           </a:p>
@@ -1252,7 +1254,7 @@
           <a:p>
             <a:fld id="{74DAA6A8-A8BE-4708-A87F-98E2A1874563}" type="datetimeFigureOut">
               <a:rPr lang="en-US" smtClean="0"/>
-              <a:t>03-Apr-17</a:t>
+              <a:t>04-Apr-17</a:t>
             </a:fld>
             <a:endParaRPr lang="en-US"/>
           </a:p>
@@ -1616,7 +1618,7 @@
           <a:p>
             <a:fld id="{74DAA6A8-A8BE-4708-A87F-98E2A1874563}" type="datetimeFigureOut">
               <a:rPr lang="en-US" smtClean="0"/>
-              <a:t>03-Apr-17</a:t>
+              <a:t>04-Apr-17</a:t>
             </a:fld>
             <a:endParaRPr lang="en-US"/>
           </a:p>
@@ -1733,7 +1735,7 @@
           <a:p>
             <a:fld id="{74DAA6A8-A8BE-4708-A87F-98E2A1874563}" type="datetimeFigureOut">
               <a:rPr lang="en-US" smtClean="0"/>
-              <a:t>03-Apr-17</a:t>
+              <a:t>04-Apr-17</a:t>
             </a:fld>
             <a:endParaRPr lang="en-US"/>
           </a:p>
@@ -1828,7 +1830,7 @@
           <a:p>
             <a:fld id="{74DAA6A8-A8BE-4708-A87F-98E2A1874563}" type="datetimeFigureOut">
               <a:rPr lang="en-US" smtClean="0"/>
-              <a:t>03-Apr-17</a:t>
+              <a:t>04-Apr-17</a:t>
             </a:fld>
             <a:endParaRPr lang="en-US"/>
           </a:p>
@@ -2103,7 +2105,7 @@
           <a:p>
             <a:fld id="{74DAA6A8-A8BE-4708-A87F-98E2A1874563}" type="datetimeFigureOut">
               <a:rPr lang="en-US" smtClean="0"/>
-              <a:t>03-Apr-17</a:t>
+              <a:t>04-Apr-17</a:t>
             </a:fld>
             <a:endParaRPr lang="en-US"/>
           </a:p>
@@ -2355,7 +2357,7 @@
           <a:p>
             <a:fld id="{74DAA6A8-A8BE-4708-A87F-98E2A1874563}" type="datetimeFigureOut">
               <a:rPr lang="en-US" smtClean="0"/>
-              <a:t>03-Apr-17</a:t>
+              <a:t>04-Apr-17</a:t>
             </a:fld>
             <a:endParaRPr lang="en-US"/>
           </a:p>
@@ -2566,7 +2568,7 @@
           <a:p>
             <a:fld id="{74DAA6A8-A8BE-4708-A87F-98E2A1874563}" type="datetimeFigureOut">
               <a:rPr lang="en-US" smtClean="0"/>
-              <a:t>03-Apr-17</a:t>
+              <a:t>04-Apr-17</a:t>
             </a:fld>
             <a:endParaRPr lang="en-US"/>
           </a:p>
@@ -7444,6 +7446,33 @@
       </p:grpSpPr>
       <p:sp>
         <p:nvSpPr>
+          <p:cNvPr id="2" name="Title 1"/>
+          <p:cNvSpPr>
+            <a:spLocks noGrp="1"/>
+          </p:cNvSpPr>
+          <p:nvPr>
+            <p:ph type="title"/>
+          </p:nvPr>
+        </p:nvSpPr>
+        <p:spPr>
+          <a:xfrm>
+            <a:off x="477981" y="157307"/>
+            <a:ext cx="10515600" cy="826569"/>
+          </a:xfrm>
+        </p:spPr>
+        <p:txBody>
+          <a:bodyPr/>
+          <a:lstStyle/>
+          <a:p>
+            <a:r>
+              <a:rPr lang="en-US" dirty="0"/>
+              <a:t>Understanding basic Python: exercise</a:t>
+            </a:r>
+          </a:p>
+        </p:txBody>
+      </p:sp>
+      <p:sp>
+        <p:nvSpPr>
           <p:cNvPr id="3" name="Content Placeholder 2"/>
           <p:cNvSpPr>
             <a:spLocks noGrp="1"/>
@@ -7454,238 +7483,67 @@
         </p:nvSpPr>
         <p:spPr>
           <a:xfrm>
-            <a:off x="809625" y="1263650"/>
-            <a:ext cx="10515600" cy="1842185"/>
-          </a:xfrm>
-        </p:spPr>
-        <p:txBody>
-          <a:bodyPr>
-            <a:normAutofit/>
-          </a:bodyPr>
-          <a:lstStyle/>
-          <a:p>
-            <a:r>
-              <a:rPr lang="en-US" sz="2000" b="1" dirty="0"/>
-              <a:t>This site contains the moon phases:</a:t>
+            <a:off x="574964" y="1192358"/>
+            <a:ext cx="10515600" cy="4351338"/>
+          </a:xfrm>
+        </p:spPr>
+        <p:txBody>
+          <a:bodyPr/>
+          <a:lstStyle/>
+          <a:p>
+            <a:r>
+              <a:rPr lang="en-US" dirty="0"/>
+              <a:t>Exercise: understand the agenda voting code</a:t>
             </a:r>
           </a:p>
           <a:p>
             <a:pPr lvl="1"/>
             <a:r>
-              <a:rPr lang="en-US" sz="1800" b="1" u="sng" dirty="0">
+              <a:rPr lang="en-US" sz="1800" dirty="0">
                 <a:hlinkClick r:id="rId2"/>
               </a:rPr>
-              <a:t>http://aa.usno.navy.mil/data/docs/MoonFraction.php</a:t>
-            </a:r>
-            <a:endParaRPr lang="en-US" sz="1800" b="1" dirty="0"/>
-          </a:p>
-          <a:p>
-            <a:r>
-              <a:rPr lang="en-US" sz="2000" b="1" dirty="0"/>
-              <a:t>Download this data and convert in the appropriate format (think about what appropriate means)</a:t>
-            </a:r>
-          </a:p>
-          <a:p>
-            <a:pPr lvl="1"/>
-            <a:r>
-              <a:rPr lang="en-US" sz="1800" b="1" u="sng" dirty="0">
-                <a:hlinkClick r:id="rId3"/>
-              </a:rPr>
-              <a:t>http://aa.usno.navy.mil/cgi-bin/aa_moonill2.pl?form=1&amp;year=2017&amp;task=00&amp;tz=-05</a:t>
-            </a:r>
-            <a:endParaRPr lang="en-US" sz="1800" b="1" dirty="0"/>
-          </a:p>
-          <a:p>
-            <a:endParaRPr lang="en-US" sz="2000" dirty="0"/>
-          </a:p>
-        </p:txBody>
-      </p:sp>
-      <p:sp>
-        <p:nvSpPr>
-          <p:cNvPr id="4" name="Title 1"/>
-          <p:cNvSpPr>
-            <a:spLocks noGrp="1"/>
-          </p:cNvSpPr>
-          <p:nvPr>
-            <p:ph type="title"/>
-          </p:nvPr>
-        </p:nvSpPr>
-        <p:spPr>
-          <a:xfrm>
-            <a:off x="257175" y="257175"/>
-            <a:ext cx="10515600" cy="681038"/>
-          </a:xfrm>
-        </p:spPr>
-        <p:txBody>
-          <a:bodyPr>
-            <a:normAutofit fontScale="90000"/>
-          </a:bodyPr>
-          <a:lstStyle/>
-          <a:p>
-            <a:r>
-              <a:rPr lang="en-US" dirty="0"/>
-              <a:t>Day 2 exercise: Moon phases</a:t>
+              <a:t>https://github.com/analytics-bootcamp/Training-material/blob/master/agenda%20voting.ipynb</a:t>
+            </a:r>
+            <a:endParaRPr lang="en-US" sz="1800" dirty="0"/>
+          </a:p>
+          <a:p>
+            <a:pPr marL="457200" lvl="1" indent="0">
+              <a:buNone/>
+            </a:pPr>
+            <a:r>
+              <a:rPr lang="en-US" sz="1800" dirty="0"/>
+              <a:t> </a:t>
             </a:r>
           </a:p>
         </p:txBody>
       </p:sp>
       <p:pic>
         <p:nvPicPr>
-          <p:cNvPr id="6" name="Picture 5"/>
+          <p:cNvPr id="4" name="Picture 3"/>
           <p:cNvPicPr>
             <a:picLocks noChangeAspect="1"/>
           </p:cNvPicPr>
           <p:nvPr/>
         </p:nvPicPr>
         <p:blipFill rotWithShape="1">
-          <a:blip r:embed="rId4"/>
-          <a:srcRect l="7250" t="4607" r="1750" b="8352"/>
+          <a:blip r:embed="rId3"/>
+          <a:srcRect l="2824" t="34222" r="26411" b="9931"/>
           <a:stretch/>
         </p:blipFill>
         <p:spPr>
           <a:xfrm>
-            <a:off x="595316" y="4077603"/>
-            <a:ext cx="2755579" cy="1832614"/>
+            <a:off x="2008910" y="2337811"/>
+            <a:ext cx="7254240" cy="3830003"/>
           </a:xfrm>
           <a:prstGeom prst="rect">
             <a:avLst/>
           </a:prstGeom>
         </p:spPr>
       </p:pic>
-      <p:sp>
-        <p:nvSpPr>
-          <p:cNvPr id="7" name="TextBox 6"/>
-          <p:cNvSpPr txBox="1"/>
-          <p:nvPr/>
-        </p:nvSpPr>
-        <p:spPr>
-          <a:xfrm>
-            <a:off x="1381340" y="3567500"/>
-            <a:ext cx="1183529" cy="369332"/>
-          </a:xfrm>
-          <a:prstGeom prst="rect">
-            <a:avLst/>
-          </a:prstGeom>
-          <a:noFill/>
-        </p:spPr>
-        <p:txBody>
-          <a:bodyPr wrap="none" rtlCol="0">
-            <a:spAutoFit/>
-          </a:bodyPr>
-          <a:lstStyle/>
-          <a:p>
-            <a:r>
-              <a:rPr lang="en-US" dirty="0"/>
-              <a:t>The result:</a:t>
-            </a:r>
-          </a:p>
-        </p:txBody>
-      </p:sp>
-      <p:sp>
-        <p:nvSpPr>
-          <p:cNvPr id="8" name="Rectangle 7"/>
-          <p:cNvSpPr/>
-          <p:nvPr/>
-        </p:nvSpPr>
-        <p:spPr>
-          <a:xfrm>
-            <a:off x="3881120" y="3752166"/>
-            <a:ext cx="7985760" cy="369332"/>
-          </a:xfrm>
-          <a:prstGeom prst="rect">
-            <a:avLst/>
-          </a:prstGeom>
-        </p:spPr>
-        <p:txBody>
-          <a:bodyPr wrap="square">
-            <a:spAutoFit/>
-          </a:bodyPr>
-          <a:lstStyle/>
-          <a:p>
-            <a:r>
-              <a:rPr lang="en-US" dirty="0"/>
-              <a:t>https://github.com/analytics-bootcamp/Training-material/tree/master/0.%20Basics</a:t>
-            </a:r>
-          </a:p>
-        </p:txBody>
-      </p:sp>
-      <p:sp>
-        <p:nvSpPr>
-          <p:cNvPr id="9" name="TextBox 8"/>
-          <p:cNvSpPr txBox="1"/>
-          <p:nvPr/>
-        </p:nvSpPr>
-        <p:spPr>
-          <a:xfrm>
-            <a:off x="4257040" y="4683760"/>
-            <a:ext cx="7035067" cy="646331"/>
-          </a:xfrm>
-          <a:prstGeom prst="rect">
-            <a:avLst/>
-          </a:prstGeom>
-          <a:noFill/>
-        </p:spPr>
-        <p:txBody>
-          <a:bodyPr wrap="none" rtlCol="0">
-            <a:spAutoFit/>
-          </a:bodyPr>
-          <a:lstStyle/>
-          <a:p>
-            <a:r>
-              <a:rPr lang="fr-FR" dirty="0">
-                <a:hlinkClick r:id="rId5" tooltip="0. Basics 5. Exercise 0.ipynb"/>
-              </a:rPr>
-              <a:t>0. Basics 5. </a:t>
-            </a:r>
-            <a:r>
-              <a:rPr lang="fr-FR" dirty="0" err="1">
-                <a:hlinkClick r:id="rId5" tooltip="0. Basics 5. Exercise 0.ipynb"/>
-              </a:rPr>
-              <a:t>Exercise</a:t>
-            </a:r>
-            <a:r>
-              <a:rPr lang="fr-FR" dirty="0">
-                <a:hlinkClick r:id="rId5" tooltip="0. Basics 5. Exercise 0.ipynb"/>
-              </a:rPr>
-              <a:t> 0.ipynb</a:t>
-            </a:r>
-            <a:r>
-              <a:rPr lang="fr-FR" dirty="0"/>
-              <a:t>  </a:t>
-            </a:r>
-            <a:r>
-              <a:rPr lang="fr-FR" dirty="0" err="1"/>
-              <a:t>is</a:t>
-            </a:r>
-            <a:r>
-              <a:rPr lang="fr-FR" dirty="0"/>
-              <a:t> the base notebook</a:t>
-            </a:r>
-          </a:p>
-          <a:p>
-            <a:r>
-              <a:rPr lang="en-US" dirty="0">
-                <a:hlinkClick r:id="rId6" tooltip="0. Basics 5. Exercise help.ipynb"/>
-              </a:rPr>
-              <a:t>0. Basics 5. Exercise </a:t>
-            </a:r>
-            <a:r>
-              <a:rPr lang="en-US" dirty="0" err="1">
-                <a:hlinkClick r:id="rId6" tooltip="0. Basics 5. Exercise help.ipynb"/>
-              </a:rPr>
-              <a:t>help.ipynb</a:t>
-            </a:r>
-            <a:r>
-              <a:rPr lang="en-US" dirty="0"/>
-              <a:t> is the fill-in exercise when 0 is too difficult.</a:t>
-            </a:r>
-          </a:p>
-        </p:txBody>
-      </p:sp>
     </p:spTree>
     <p:extLst>
       <p:ext uri="{BB962C8B-B14F-4D97-AF65-F5344CB8AC3E}">
-        <p14:creationId xmlns:p14="http://schemas.microsoft.com/office/powerpoint/2010/main" val="994562372"/>
+        <p14:creationId xmlns:p14="http://schemas.microsoft.com/office/powerpoint/2010/main" val="4181843912"/>
       </p:ext>
     </p:extLst>
   </p:cSld>
@@ -7724,6 +7582,429 @@
         </p:nvSpPr>
         <p:spPr>
           <a:xfrm>
+            <a:off x="422564" y="212725"/>
+            <a:ext cx="10515600" cy="812511"/>
+          </a:xfrm>
+        </p:spPr>
+        <p:txBody>
+          <a:bodyPr/>
+          <a:lstStyle/>
+          <a:p>
+            <a:r>
+              <a:rPr lang="en-US" dirty="0"/>
+              <a:t>Understanding basic </a:t>
+            </a:r>
+            <a:r>
+              <a:rPr lang="en-US" dirty="0" err="1"/>
+              <a:t>Numpy</a:t>
+            </a:r>
+            <a:r>
+              <a:rPr lang="en-US" dirty="0"/>
+              <a:t>: exercise</a:t>
+            </a:r>
+          </a:p>
+        </p:txBody>
+      </p:sp>
+      <p:sp>
+        <p:nvSpPr>
+          <p:cNvPr id="3" name="Content Placeholder 2"/>
+          <p:cNvSpPr>
+            <a:spLocks noGrp="1"/>
+          </p:cNvSpPr>
+          <p:nvPr>
+            <p:ph idx="1"/>
+          </p:nvPr>
+        </p:nvSpPr>
+        <p:spPr/>
+        <p:txBody>
+          <a:bodyPr/>
+          <a:lstStyle/>
+          <a:p>
+            <a:pPr marL="0" indent="0">
+              <a:buNone/>
+            </a:pPr>
+            <a:r>
+              <a:rPr lang="en-US" dirty="0"/>
+              <a:t>import </a:t>
+            </a:r>
+            <a:r>
+              <a:rPr lang="en-US" dirty="0" err="1"/>
+              <a:t>numpy</a:t>
+            </a:r>
+            <a:r>
+              <a:rPr lang="en-US" dirty="0"/>
+              <a:t> as np</a:t>
+            </a:r>
+          </a:p>
+          <a:p>
+            <a:endParaRPr lang="en-US" dirty="0"/>
+          </a:p>
+          <a:p>
+            <a:pPr marL="0" indent="0">
+              <a:buNone/>
+            </a:pPr>
+            <a:r>
+              <a:rPr lang="en-US" dirty="0"/>
+              <a:t>a=</a:t>
+            </a:r>
+            <a:r>
+              <a:rPr lang="en-US" dirty="0" err="1"/>
+              <a:t>np.arange</a:t>
+            </a:r>
+            <a:r>
+              <a:rPr lang="en-US" dirty="0"/>
+              <a:t>(0,10,2)</a:t>
+            </a:r>
+          </a:p>
+          <a:p>
+            <a:pPr marL="0" indent="0">
+              <a:buNone/>
+            </a:pPr>
+            <a:r>
+              <a:rPr lang="en-US" dirty="0"/>
+              <a:t>b = </a:t>
+            </a:r>
+            <a:r>
+              <a:rPr lang="en-US" dirty="0" err="1"/>
+              <a:t>np.repeat</a:t>
+            </a:r>
+            <a:r>
+              <a:rPr lang="en-US" dirty="0"/>
+              <a:t>([['yes', 'no']], 5,axis=0).reshape(10)</a:t>
+            </a:r>
+          </a:p>
+          <a:p>
+            <a:endParaRPr lang="en-US" dirty="0"/>
+          </a:p>
+          <a:p>
+            <a:r>
+              <a:rPr lang="en-US" dirty="0"/>
+              <a:t>What is the result of</a:t>
+            </a:r>
+          </a:p>
+          <a:p>
+            <a:pPr marL="0" indent="0">
+              <a:buNone/>
+            </a:pPr>
+            <a:r>
+              <a:rPr lang="en-US" dirty="0"/>
+              <a:t>b[a]</a:t>
+            </a:r>
+          </a:p>
+        </p:txBody>
+      </p:sp>
+    </p:spTree>
+    <p:extLst>
+      <p:ext uri="{BB962C8B-B14F-4D97-AF65-F5344CB8AC3E}">
+        <p14:creationId xmlns:p14="http://schemas.microsoft.com/office/powerpoint/2010/main" val="4263627470"/>
+      </p:ext>
+    </p:extLst>
+  </p:cSld>
+  <p:clrMapOvr>
+    <a:masterClrMapping/>
+  </p:clrMapOvr>
+</p:sld>
+</file>
+
+<file path=ppt/slides/slide24.xml><?xml version="1.0" encoding="utf-8"?>
+<p:sld xmlns:a="http://schemas.openxmlformats.org/drawingml/2006/main" xmlns:r="http://schemas.openxmlformats.org/officeDocument/2006/relationships" xmlns:p="http://schemas.openxmlformats.org/presentationml/2006/main">
+  <p:cSld>
+    <p:spTree>
+      <p:nvGrpSpPr>
+        <p:cNvPr id="1" name=""/>
+        <p:cNvGrpSpPr/>
+        <p:nvPr/>
+      </p:nvGrpSpPr>
+      <p:grpSpPr>
+        <a:xfrm>
+          <a:off x="0" y="0"/>
+          <a:ext cx="0" cy="0"/>
+          <a:chOff x="0" y="0"/>
+          <a:chExt cx="0" cy="0"/>
+        </a:xfrm>
+      </p:grpSpPr>
+      <p:sp>
+        <p:nvSpPr>
+          <p:cNvPr id="3" name="Content Placeholder 2"/>
+          <p:cNvSpPr>
+            <a:spLocks noGrp="1"/>
+          </p:cNvSpPr>
+          <p:nvPr>
+            <p:ph idx="1"/>
+          </p:nvPr>
+        </p:nvSpPr>
+        <p:spPr>
+          <a:xfrm>
+            <a:off x="809625" y="1263650"/>
+            <a:ext cx="10515600" cy="1842185"/>
+          </a:xfrm>
+        </p:spPr>
+        <p:txBody>
+          <a:bodyPr>
+            <a:normAutofit/>
+          </a:bodyPr>
+          <a:lstStyle/>
+          <a:p>
+            <a:r>
+              <a:rPr lang="en-US" sz="2000" b="1" dirty="0"/>
+              <a:t>This site contains the moon phases:</a:t>
+            </a:r>
+          </a:p>
+          <a:p>
+            <a:pPr lvl="1"/>
+            <a:r>
+              <a:rPr lang="en-US" sz="1800" b="1" u="sng" dirty="0">
+                <a:hlinkClick r:id="rId2"/>
+              </a:rPr>
+              <a:t>http://aa.usno.navy.mil/data/docs/MoonFraction.php</a:t>
+            </a:r>
+            <a:endParaRPr lang="en-US" sz="1800" b="1" dirty="0"/>
+          </a:p>
+          <a:p>
+            <a:r>
+              <a:rPr lang="en-US" sz="2000" b="1" dirty="0"/>
+              <a:t>Download this data and convert in the appropriate format (think about what appropriate means)</a:t>
+            </a:r>
+          </a:p>
+          <a:p>
+            <a:pPr lvl="1"/>
+            <a:r>
+              <a:rPr lang="en-US" sz="1800" b="1" u="sng" dirty="0">
+                <a:hlinkClick r:id="rId3"/>
+              </a:rPr>
+              <a:t>http://aa.usno.navy.mil/cgi-bin/aa_moonill2.pl?form=1&amp;year=2017&amp;task=00&amp;tz=-05</a:t>
+            </a:r>
+            <a:endParaRPr lang="en-US" sz="1800" b="1" dirty="0"/>
+          </a:p>
+          <a:p>
+            <a:endParaRPr lang="en-US" sz="2000" dirty="0"/>
+          </a:p>
+        </p:txBody>
+      </p:sp>
+      <p:sp>
+        <p:nvSpPr>
+          <p:cNvPr id="4" name="Title 1"/>
+          <p:cNvSpPr>
+            <a:spLocks noGrp="1"/>
+          </p:cNvSpPr>
+          <p:nvPr>
+            <p:ph type="title"/>
+          </p:nvPr>
+        </p:nvSpPr>
+        <p:spPr>
+          <a:xfrm>
+            <a:off x="257175" y="257175"/>
+            <a:ext cx="10515600" cy="681038"/>
+          </a:xfrm>
+        </p:spPr>
+        <p:txBody>
+          <a:bodyPr>
+            <a:normAutofit fontScale="90000"/>
+          </a:bodyPr>
+          <a:lstStyle/>
+          <a:p>
+            <a:r>
+              <a:rPr lang="en-US" dirty="0"/>
+              <a:t>Day 2 exercise: Moon phases</a:t>
+            </a:r>
+          </a:p>
+        </p:txBody>
+      </p:sp>
+      <p:pic>
+        <p:nvPicPr>
+          <p:cNvPr id="6" name="Picture 5"/>
+          <p:cNvPicPr>
+            <a:picLocks noChangeAspect="1"/>
+          </p:cNvPicPr>
+          <p:nvPr/>
+        </p:nvPicPr>
+        <p:blipFill rotWithShape="1">
+          <a:blip r:embed="rId4"/>
+          <a:srcRect l="7250" t="4607" r="1750" b="8352"/>
+          <a:stretch/>
+        </p:blipFill>
+        <p:spPr>
+          <a:xfrm>
+            <a:off x="595316" y="4077603"/>
+            <a:ext cx="2755579" cy="1832614"/>
+          </a:xfrm>
+          <a:prstGeom prst="rect">
+            <a:avLst/>
+          </a:prstGeom>
+        </p:spPr>
+      </p:pic>
+      <p:sp>
+        <p:nvSpPr>
+          <p:cNvPr id="7" name="TextBox 6"/>
+          <p:cNvSpPr txBox="1"/>
+          <p:nvPr/>
+        </p:nvSpPr>
+        <p:spPr>
+          <a:xfrm>
+            <a:off x="1381340" y="3567500"/>
+            <a:ext cx="1183529" cy="369332"/>
+          </a:xfrm>
+          <a:prstGeom prst="rect">
+            <a:avLst/>
+          </a:prstGeom>
+          <a:noFill/>
+        </p:spPr>
+        <p:txBody>
+          <a:bodyPr wrap="none" rtlCol="0">
+            <a:spAutoFit/>
+          </a:bodyPr>
+          <a:lstStyle/>
+          <a:p>
+            <a:r>
+              <a:rPr lang="en-US" dirty="0"/>
+              <a:t>The result:</a:t>
+            </a:r>
+          </a:p>
+        </p:txBody>
+      </p:sp>
+      <p:sp>
+        <p:nvSpPr>
+          <p:cNvPr id="8" name="Rectangle 7"/>
+          <p:cNvSpPr/>
+          <p:nvPr/>
+        </p:nvSpPr>
+        <p:spPr>
+          <a:xfrm>
+            <a:off x="3881120" y="3752166"/>
+            <a:ext cx="7985760" cy="369332"/>
+          </a:xfrm>
+          <a:prstGeom prst="rect">
+            <a:avLst/>
+          </a:prstGeom>
+        </p:spPr>
+        <p:txBody>
+          <a:bodyPr wrap="square">
+            <a:spAutoFit/>
+          </a:bodyPr>
+          <a:lstStyle/>
+          <a:p>
+            <a:r>
+              <a:rPr lang="en-US" dirty="0"/>
+              <a:t>https://github.com/analytics-bootcamp/Training-material/tree/master/0.%20Basics</a:t>
+            </a:r>
+          </a:p>
+        </p:txBody>
+      </p:sp>
+      <p:sp>
+        <p:nvSpPr>
+          <p:cNvPr id="9" name="TextBox 8"/>
+          <p:cNvSpPr txBox="1"/>
+          <p:nvPr/>
+        </p:nvSpPr>
+        <p:spPr>
+          <a:xfrm>
+            <a:off x="4257040" y="4683760"/>
+            <a:ext cx="7035067" cy="646331"/>
+          </a:xfrm>
+          <a:prstGeom prst="rect">
+            <a:avLst/>
+          </a:prstGeom>
+          <a:noFill/>
+        </p:spPr>
+        <p:txBody>
+          <a:bodyPr wrap="none" rtlCol="0">
+            <a:spAutoFit/>
+          </a:bodyPr>
+          <a:lstStyle/>
+          <a:p>
+            <a:r>
+              <a:rPr lang="fr-FR" dirty="0">
+                <a:hlinkClick r:id="rId5" tooltip="0. Basics 5. Exercise 0.ipynb"/>
+              </a:rPr>
+              <a:t>0. Basics 5. </a:t>
+            </a:r>
+            <a:r>
+              <a:rPr lang="fr-FR" dirty="0" err="1">
+                <a:hlinkClick r:id="rId5" tooltip="0. Basics 5. Exercise 0.ipynb"/>
+              </a:rPr>
+              <a:t>Exercise</a:t>
+            </a:r>
+            <a:r>
+              <a:rPr lang="fr-FR" dirty="0">
+                <a:hlinkClick r:id="rId5" tooltip="0. Basics 5. Exercise 0.ipynb"/>
+              </a:rPr>
+              <a:t> 0.ipynb</a:t>
+            </a:r>
+            <a:r>
+              <a:rPr lang="fr-FR" dirty="0"/>
+              <a:t>  </a:t>
+            </a:r>
+            <a:r>
+              <a:rPr lang="fr-FR" dirty="0" err="1"/>
+              <a:t>is</a:t>
+            </a:r>
+            <a:r>
+              <a:rPr lang="fr-FR" dirty="0"/>
+              <a:t> the base notebook</a:t>
+            </a:r>
+          </a:p>
+          <a:p>
+            <a:r>
+              <a:rPr lang="en-US" dirty="0">
+                <a:hlinkClick r:id="rId6" tooltip="0. Basics 5. Exercise help.ipynb"/>
+              </a:rPr>
+              <a:t>0. Basics 5. Exercise </a:t>
+            </a:r>
+            <a:r>
+              <a:rPr lang="en-US" dirty="0" err="1">
+                <a:hlinkClick r:id="rId6" tooltip="0. Basics 5. Exercise help.ipynb"/>
+              </a:rPr>
+              <a:t>help.ipynb</a:t>
+            </a:r>
+            <a:r>
+              <a:rPr lang="en-US" dirty="0"/>
+              <a:t> is the fill-in exercise when 0 is too difficult.</a:t>
+            </a:r>
+          </a:p>
+        </p:txBody>
+      </p:sp>
+    </p:spTree>
+    <p:extLst>
+      <p:ext uri="{BB962C8B-B14F-4D97-AF65-F5344CB8AC3E}">
+        <p14:creationId xmlns:p14="http://schemas.microsoft.com/office/powerpoint/2010/main" val="994562372"/>
+      </p:ext>
+    </p:extLst>
+  </p:cSld>
+  <p:clrMapOvr>
+    <a:masterClrMapping/>
+  </p:clrMapOvr>
+</p:sld>
+</file>
+
+<file path=ppt/slides/slide25.xml><?xml version="1.0" encoding="utf-8"?>
+<p:sld xmlns:a="http://schemas.openxmlformats.org/drawingml/2006/main" xmlns:r="http://schemas.openxmlformats.org/officeDocument/2006/relationships" xmlns:p="http://schemas.openxmlformats.org/presentationml/2006/main">
+  <p:cSld>
+    <p:spTree>
+      <p:nvGrpSpPr>
+        <p:cNvPr id="1" name=""/>
+        <p:cNvGrpSpPr/>
+        <p:nvPr/>
+      </p:nvGrpSpPr>
+      <p:grpSpPr>
+        <a:xfrm>
+          <a:off x="0" y="0"/>
+          <a:ext cx="0" cy="0"/>
+          <a:chOff x="0" y="0"/>
+          <a:chExt cx="0" cy="0"/>
+        </a:xfrm>
+      </p:grpSpPr>
+      <p:sp>
+        <p:nvSpPr>
+          <p:cNvPr id="2" name="Title 1"/>
+          <p:cNvSpPr>
+            <a:spLocks noGrp="1"/>
+          </p:cNvSpPr>
+          <p:nvPr>
+            <p:ph type="title"/>
+          </p:nvPr>
+        </p:nvSpPr>
+        <p:spPr>
+          <a:xfrm>
             <a:off x="872924" y="284102"/>
             <a:ext cx="10805932" cy="894715"/>
           </a:xfrm>
@@ -7777,7 +8058,7 @@
 </p:sld>
 </file>
 
-<file path=ppt/slides/slide24.xml><?xml version="1.0" encoding="utf-8"?>
+<file path=ppt/slides/slide26.xml><?xml version="1.0" encoding="utf-8"?>
 <p:sld xmlns:a="http://schemas.openxmlformats.org/drawingml/2006/main" xmlns:r="http://schemas.openxmlformats.org/officeDocument/2006/relationships" xmlns:p="http://schemas.openxmlformats.org/presentationml/2006/main">
   <p:cSld>
     <p:spTree>
